--- a/软件项目管理开题ppt.pptx
+++ b/软件项目管理开题ppt.pptx
@@ -5,28 +5,28 @@
     <p:sldMasterId id="2147483648" r:id="rId1"/>
   </p:sldMasterIdLst>
   <p:sldIdLst>
-    <p:sldId id="257" r:id="rId2"/>
-    <p:sldId id="258" r:id="rId3"/>
-    <p:sldId id="259" r:id="rId4"/>
-    <p:sldId id="260" r:id="rId5"/>
-    <p:sldId id="261" r:id="rId6"/>
-    <p:sldId id="262" r:id="rId7"/>
-    <p:sldId id="263" r:id="rId8"/>
-    <p:sldId id="265" r:id="rId9"/>
-    <p:sldId id="264" r:id="rId10"/>
-    <p:sldId id="268" r:id="rId11"/>
-    <p:sldId id="269" r:id="rId12"/>
-    <p:sldId id="270" r:id="rId13"/>
-    <p:sldId id="271" r:id="rId14"/>
-    <p:sldId id="272" r:id="rId15"/>
-    <p:sldId id="273" r:id="rId16"/>
-    <p:sldId id="274" r:id="rId17"/>
-    <p:sldId id="275" r:id="rId18"/>
+    <p:sldId id="257" r:id="rId3"/>
+    <p:sldId id="258" r:id="rId4"/>
+    <p:sldId id="259" r:id="rId5"/>
+    <p:sldId id="260" r:id="rId6"/>
+    <p:sldId id="261" r:id="rId7"/>
+    <p:sldId id="262" r:id="rId8"/>
+    <p:sldId id="263" r:id="rId9"/>
+    <p:sldId id="265" r:id="rId10"/>
+    <p:sldId id="264" r:id="rId11"/>
+    <p:sldId id="268" r:id="rId12"/>
+    <p:sldId id="269" r:id="rId13"/>
+    <p:sldId id="270" r:id="rId14"/>
+    <p:sldId id="271" r:id="rId15"/>
+    <p:sldId id="272" r:id="rId16"/>
+    <p:sldId id="273" r:id="rId17"/>
+    <p:sldId id="274" r:id="rId18"/>
+    <p:sldId id="275" r:id="rId19"/>
   </p:sldIdLst>
   <p:sldSz cx="12192000" cy="6858000"/>
   <p:notesSz cx="6858000" cy="9144000"/>
   <p:custDataLst>
-    <p:tags r:id="rId19"/>
+    <p:tags r:id="rId23"/>
   </p:custDataLst>
   <p:defaultTextStyle>
     <a:defPPr>
@@ -126,20 +126,17 @@
   <p:extLst>
     <p:ext uri="{EFAFB233-063F-42B5-8137-9DF3F51BA10A}">
       <p15:sldGuideLst xmlns:p15="http://schemas.microsoft.com/office/powerpoint/2012/main">
-        <p15:guide id="1" orient="horz" pos="2128" userDrawn="1">
+        <p15:guide id="1" orient="horz" pos="2129" userDrawn="1">
           <p15:clr>
             <a:srgbClr val="A4A3A4"/>
           </p15:clr>
         </p15:guide>
-        <p15:guide id="2" pos="3871" userDrawn="1">
+        <p15:guide id="2" pos="3892" userDrawn="1">
           <p15:clr>
             <a:srgbClr val="A4A3A4"/>
           </p15:clr>
         </p15:guide>
       </p15:sldGuideLst>
-    </p:ext>
-    <p:ext uri="{2D200454-40CA-4A62-9FC3-DE9A4176ACB9}">
-      <p15:notesGuideLst xmlns:p15="http://schemas.microsoft.com/office/powerpoint/2012/main"/>
     </p:ext>
   </p:extLst>
 </p:presentation>
@@ -171,7 +168,7 @@
           <p:nvPr>
             <p:ph type="ctrTitle"/>
             <p:custDataLst>
-              <p:tags r:id="rId1"/>
+              <p:tags r:id="rId2"/>
             </p:custDataLst>
           </p:nvPr>
         </p:nvSpPr>
@@ -195,6 +192,7 @@
               <a:rPr lang="zh-CN" altLang="en-US" dirty="0"/>
               <a:t>单击此处编辑母版标题样式</a:t>
             </a:r>
+            <a:endParaRPr lang="zh-CN" altLang="en-US" dirty="0"/>
           </a:p>
         </p:txBody>
       </p:sp>
@@ -207,7 +205,7 @@
           <p:nvPr>
             <p:ph type="subTitle" idx="1"/>
             <p:custDataLst>
-              <p:tags r:id="rId2"/>
+              <p:tags r:id="rId3"/>
             </p:custDataLst>
           </p:nvPr>
         </p:nvSpPr>
@@ -267,6 +265,7 @@
               <a:rPr lang="zh-CN" altLang="en-US" dirty="0"/>
               <a:t>单击此处编辑母版副标题样式</a:t>
             </a:r>
+            <a:endParaRPr lang="zh-CN" altLang="en-US" dirty="0"/>
           </a:p>
         </p:txBody>
       </p:sp>
@@ -279,7 +278,7 @@
           <p:nvPr>
             <p:ph type="dt" sz="half" idx="10"/>
             <p:custDataLst>
-              <p:tags r:id="rId3"/>
+              <p:tags r:id="rId4"/>
             </p:custDataLst>
           </p:nvPr>
         </p:nvSpPr>
@@ -290,7 +289,6 @@
           <a:p>
             <a:fld id="{760FBDFE-C587-4B4C-A407-44438C67B59E}" type="datetimeFigureOut">
               <a:rPr lang="zh-CN" altLang="en-US" smtClean="0"/>
-              <a:t>2023/3/29</a:t>
             </a:fld>
             <a:endParaRPr lang="zh-CN" altLang="en-US"/>
           </a:p>
@@ -305,7 +303,7 @@
           <p:nvPr>
             <p:ph type="ftr" sz="quarter" idx="11"/>
             <p:custDataLst>
-              <p:tags r:id="rId4"/>
+              <p:tags r:id="rId5"/>
             </p:custDataLst>
           </p:nvPr>
         </p:nvSpPr>
@@ -327,7 +325,7 @@
           <p:nvPr>
             <p:ph type="sldNum" sz="quarter" idx="12"/>
             <p:custDataLst>
-              <p:tags r:id="rId5"/>
+              <p:tags r:id="rId6"/>
             </p:custDataLst>
           </p:nvPr>
         </p:nvSpPr>
@@ -338,7 +336,6 @@
           <a:p>
             <a:fld id="{49AE70B2-8BF9-45C0-BB95-33D1B9D3A854}" type="slidenum">
               <a:rPr lang="zh-CN" altLang="en-US" smtClean="0"/>
-              <a:t>‹#›</a:t>
             </a:fld>
             <a:endParaRPr lang="zh-CN" altLang="en-US" dirty="0"/>
           </a:p>
@@ -378,7 +375,7 @@
           <p:nvPr>
             <p:ph type="dt" sz="half" idx="10"/>
             <p:custDataLst>
-              <p:tags r:id="rId1"/>
+              <p:tags r:id="rId2"/>
             </p:custDataLst>
           </p:nvPr>
         </p:nvSpPr>
@@ -389,7 +386,6 @@
           <a:p>
             <a:fld id="{760FBDFE-C587-4B4C-A407-44438C67B59E}" type="datetimeFigureOut">
               <a:rPr lang="zh-CN" altLang="en-US" smtClean="0"/>
-              <a:t>2023/3/29</a:t>
             </a:fld>
             <a:endParaRPr lang="zh-CN" altLang="en-US"/>
           </a:p>
@@ -404,7 +400,7 @@
           <p:nvPr>
             <p:ph type="ftr" sz="quarter" idx="11"/>
             <p:custDataLst>
-              <p:tags r:id="rId2"/>
+              <p:tags r:id="rId3"/>
             </p:custDataLst>
           </p:nvPr>
         </p:nvSpPr>
@@ -426,7 +422,7 @@
           <p:nvPr>
             <p:ph type="sldNum" sz="quarter" idx="12"/>
             <p:custDataLst>
-              <p:tags r:id="rId3"/>
+              <p:tags r:id="rId4"/>
             </p:custDataLst>
           </p:nvPr>
         </p:nvSpPr>
@@ -437,7 +433,6 @@
           <a:p>
             <a:fld id="{49AE70B2-8BF9-45C0-BB95-33D1B9D3A854}" type="slidenum">
               <a:rPr lang="zh-CN" altLang="en-US" smtClean="0"/>
-              <a:t>‹#›</a:t>
             </a:fld>
             <a:endParaRPr lang="zh-CN" altLang="en-US"/>
           </a:p>
@@ -452,7 +447,7 @@
           <p:nvPr>
             <p:ph sz="quarter" idx="13"/>
             <p:custDataLst>
-              <p:tags r:id="rId4"/>
+              <p:tags r:id="rId5"/>
             </p:custDataLst>
           </p:nvPr>
         </p:nvSpPr>
@@ -471,6 +466,7 @@
               <a:rPr lang="zh-CN" altLang="en-US" dirty="0"/>
               <a:t>单击此处编辑母版文本样式</a:t>
             </a:r>
+            <a:endParaRPr lang="zh-CN" altLang="en-US" dirty="0"/>
           </a:p>
           <a:p>
             <a:pPr lvl="1"/>
@@ -478,6 +474,7 @@
               <a:rPr lang="zh-CN" altLang="en-US" dirty="0"/>
               <a:t>第二级</a:t>
             </a:r>
+            <a:endParaRPr lang="zh-CN" altLang="en-US" dirty="0"/>
           </a:p>
           <a:p>
             <a:pPr lvl="2"/>
@@ -485,6 +482,7 @@
               <a:rPr lang="zh-CN" altLang="en-US" dirty="0"/>
               <a:t>第三级</a:t>
             </a:r>
+            <a:endParaRPr lang="zh-CN" altLang="en-US" dirty="0"/>
           </a:p>
           <a:p>
             <a:pPr lvl="3"/>
@@ -492,6 +490,7 @@
               <a:rPr lang="zh-CN" altLang="en-US" dirty="0"/>
               <a:t>第四级</a:t>
             </a:r>
+            <a:endParaRPr lang="zh-CN" altLang="en-US" dirty="0"/>
           </a:p>
           <a:p>
             <a:pPr lvl="4"/>
@@ -499,6 +498,7 @@
               <a:rPr lang="zh-CN" altLang="en-US" dirty="0"/>
               <a:t>第五级</a:t>
             </a:r>
+            <a:endParaRPr lang="zh-CN" altLang="en-US" dirty="0"/>
           </a:p>
         </p:txBody>
       </p:sp>
@@ -536,7 +536,7 @@
           <p:nvPr>
             <p:ph type="dt" sz="half" idx="10"/>
             <p:custDataLst>
-              <p:tags r:id="rId1"/>
+              <p:tags r:id="rId2"/>
             </p:custDataLst>
           </p:nvPr>
         </p:nvSpPr>
@@ -547,7 +547,6 @@
           <a:p>
             <a:fld id="{760FBDFE-C587-4B4C-A407-44438C67B59E}" type="datetimeFigureOut">
               <a:rPr lang="zh-CN" altLang="en-US" smtClean="0"/>
-              <a:t>2023/3/29</a:t>
             </a:fld>
             <a:endParaRPr lang="zh-CN" altLang="en-US"/>
           </a:p>
@@ -562,7 +561,7 @@
           <p:nvPr>
             <p:ph type="ftr" sz="quarter" idx="11"/>
             <p:custDataLst>
-              <p:tags r:id="rId2"/>
+              <p:tags r:id="rId3"/>
             </p:custDataLst>
           </p:nvPr>
         </p:nvSpPr>
@@ -584,7 +583,7 @@
           <p:nvPr>
             <p:ph type="sldNum" sz="quarter" idx="12"/>
             <p:custDataLst>
-              <p:tags r:id="rId3"/>
+              <p:tags r:id="rId4"/>
             </p:custDataLst>
           </p:nvPr>
         </p:nvSpPr>
@@ -595,7 +594,6 @@
           <a:p>
             <a:fld id="{49AE70B2-8BF9-45C0-BB95-33D1B9D3A854}" type="slidenum">
               <a:rPr lang="zh-CN" altLang="en-US" smtClean="0"/>
-              <a:t>‹#›</a:t>
             </a:fld>
             <a:endParaRPr lang="zh-CN" altLang="en-US"/>
           </a:p>
@@ -610,7 +608,7 @@
           <p:nvPr>
             <p:ph type="title" hasCustomPrompt="1"/>
             <p:custDataLst>
-              <p:tags r:id="rId4"/>
+              <p:tags r:id="rId5"/>
             </p:custDataLst>
           </p:nvPr>
         </p:nvSpPr>
@@ -635,6 +633,7 @@
               <a:rPr lang="zh-CN" altLang="en-US"/>
               <a:t>单击此处编辑标题</a:t>
             </a:r>
+            <a:endParaRPr lang="zh-CN" altLang="en-US"/>
           </a:p>
         </p:txBody>
       </p:sp>
@@ -647,7 +646,7 @@
           <p:nvPr>
             <p:ph type="body" sz="quarter" idx="13"/>
             <p:custDataLst>
-              <p:tags r:id="rId5"/>
+              <p:tags r:id="rId6"/>
             </p:custDataLst>
           </p:nvPr>
         </p:nvSpPr>
@@ -676,6 +675,7 @@
               <a:rPr lang="zh-CN" altLang="en-US" dirty="0"/>
               <a:t>单击此处编辑母版文本样式</a:t>
             </a:r>
+            <a:endParaRPr lang="zh-CN" altLang="en-US" dirty="0"/>
           </a:p>
         </p:txBody>
       </p:sp>
@@ -816,7 +816,7 @@
           <p:nvPr>
             <p:ph type="title"/>
             <p:custDataLst>
-              <p:tags r:id="rId1"/>
+              <p:tags r:id="rId2"/>
             </p:custDataLst>
           </p:nvPr>
         </p:nvSpPr>
@@ -837,6 +837,7 @@
               <a:rPr lang="zh-CN" altLang="en-US"/>
               <a:t>单击此处编辑母版标题样式</a:t>
             </a:r>
+            <a:endParaRPr lang="zh-CN" altLang="en-US"/>
           </a:p>
         </p:txBody>
       </p:sp>
@@ -849,7 +850,7 @@
           <p:nvPr>
             <p:ph idx="1"/>
             <p:custDataLst>
-              <p:tags r:id="rId2"/>
+              <p:tags r:id="rId3"/>
             </p:custDataLst>
           </p:nvPr>
         </p:nvSpPr>
@@ -870,6 +871,7 @@
               <a:rPr lang="zh-CN" altLang="en-US"/>
               <a:t>单击此处编辑母版文本样式</a:t>
             </a:r>
+            <a:endParaRPr lang="zh-CN" altLang="en-US"/>
           </a:p>
           <a:p>
             <a:pPr lvl="1"/>
@@ -877,6 +879,7 @@
               <a:rPr lang="zh-CN" altLang="en-US"/>
               <a:t>第二级</a:t>
             </a:r>
+            <a:endParaRPr lang="zh-CN" altLang="en-US"/>
           </a:p>
           <a:p>
             <a:pPr lvl="2"/>
@@ -884,6 +887,7 @@
               <a:rPr lang="zh-CN" altLang="en-US"/>
               <a:t>第三级</a:t>
             </a:r>
+            <a:endParaRPr lang="zh-CN" altLang="en-US"/>
           </a:p>
           <a:p>
             <a:pPr lvl="3"/>
@@ -891,6 +895,7 @@
               <a:rPr lang="zh-CN" altLang="en-US"/>
               <a:t>第四级</a:t>
             </a:r>
+            <a:endParaRPr lang="zh-CN" altLang="en-US"/>
           </a:p>
           <a:p>
             <a:pPr lvl="4"/>
@@ -898,6 +903,7 @@
               <a:rPr lang="zh-CN" altLang="en-US"/>
               <a:t>第五级</a:t>
             </a:r>
+            <a:endParaRPr lang="zh-CN" altLang="en-US"/>
           </a:p>
         </p:txBody>
       </p:sp>
@@ -910,7 +916,7 @@
           <p:nvPr>
             <p:ph type="dt" sz="half" idx="10"/>
             <p:custDataLst>
-              <p:tags r:id="rId3"/>
+              <p:tags r:id="rId4"/>
             </p:custDataLst>
           </p:nvPr>
         </p:nvSpPr>
@@ -921,7 +927,6 @@
           <a:p>
             <a:fld id="{760FBDFE-C587-4B4C-A407-44438C67B59E}" type="datetimeFigureOut">
               <a:rPr lang="zh-CN" altLang="en-US" smtClean="0"/>
-              <a:t>2023/3/29</a:t>
             </a:fld>
             <a:endParaRPr lang="zh-CN" altLang="en-US"/>
           </a:p>
@@ -936,7 +941,7 @@
           <p:nvPr>
             <p:ph type="ftr" sz="quarter" idx="11"/>
             <p:custDataLst>
-              <p:tags r:id="rId4"/>
+              <p:tags r:id="rId5"/>
             </p:custDataLst>
           </p:nvPr>
         </p:nvSpPr>
@@ -958,7 +963,7 @@
           <p:nvPr>
             <p:ph type="sldNum" sz="quarter" idx="12"/>
             <p:custDataLst>
-              <p:tags r:id="rId5"/>
+              <p:tags r:id="rId6"/>
             </p:custDataLst>
           </p:nvPr>
         </p:nvSpPr>
@@ -969,7 +974,6 @@
           <a:p>
             <a:fld id="{49AE70B2-8BF9-45C0-BB95-33D1B9D3A854}" type="slidenum">
               <a:rPr lang="zh-CN" altLang="en-US" smtClean="0"/>
-              <a:t>‹#›</a:t>
             </a:fld>
             <a:endParaRPr lang="zh-CN" altLang="en-US"/>
           </a:p>
@@ -1009,7 +1013,7 @@
           <p:nvPr>
             <p:ph type="title" hasCustomPrompt="1"/>
             <p:custDataLst>
-              <p:tags r:id="rId1"/>
+              <p:tags r:id="rId2"/>
             </p:custDataLst>
           </p:nvPr>
         </p:nvSpPr>
@@ -1033,6 +1037,7 @@
               <a:rPr lang="zh-CN" altLang="en-US" dirty="0"/>
               <a:t>单击此处编辑标题</a:t>
             </a:r>
+            <a:endParaRPr lang="zh-CN" altLang="en-US" dirty="0"/>
           </a:p>
         </p:txBody>
       </p:sp>
@@ -1045,7 +1050,7 @@
           <p:nvPr>
             <p:ph type="body" idx="1" hasCustomPrompt="1"/>
             <p:custDataLst>
-              <p:tags r:id="rId2"/>
+              <p:tags r:id="rId3"/>
             </p:custDataLst>
           </p:nvPr>
         </p:nvSpPr>
@@ -1158,6 +1163,7 @@
               <a:rPr lang="zh-CN" altLang="en-US" dirty="0"/>
               <a:t>单击此处编辑文本</a:t>
             </a:r>
+            <a:endParaRPr lang="zh-CN" altLang="en-US" dirty="0"/>
           </a:p>
         </p:txBody>
       </p:sp>
@@ -1170,7 +1176,7 @@
           <p:nvPr>
             <p:ph type="dt" sz="half" idx="10"/>
             <p:custDataLst>
-              <p:tags r:id="rId3"/>
+              <p:tags r:id="rId4"/>
             </p:custDataLst>
           </p:nvPr>
         </p:nvSpPr>
@@ -1181,7 +1187,6 @@
           <a:p>
             <a:fld id="{760FBDFE-C587-4B4C-A407-44438C67B59E}" type="datetimeFigureOut">
               <a:rPr lang="zh-CN" altLang="en-US" smtClean="0"/>
-              <a:t>2023/3/29</a:t>
             </a:fld>
             <a:endParaRPr lang="zh-CN" altLang="en-US"/>
           </a:p>
@@ -1196,7 +1201,7 @@
           <p:nvPr>
             <p:ph type="ftr" sz="quarter" idx="11"/>
             <p:custDataLst>
-              <p:tags r:id="rId4"/>
+              <p:tags r:id="rId5"/>
             </p:custDataLst>
           </p:nvPr>
         </p:nvSpPr>
@@ -1218,7 +1223,7 @@
           <p:nvPr>
             <p:ph type="sldNum" sz="quarter" idx="12"/>
             <p:custDataLst>
-              <p:tags r:id="rId5"/>
+              <p:tags r:id="rId6"/>
             </p:custDataLst>
           </p:nvPr>
         </p:nvSpPr>
@@ -1229,7 +1234,6 @@
           <a:p>
             <a:fld id="{49AE70B2-8BF9-45C0-BB95-33D1B9D3A854}" type="slidenum">
               <a:rPr lang="zh-CN" altLang="en-US" smtClean="0"/>
-              <a:t>‹#›</a:t>
             </a:fld>
             <a:endParaRPr lang="zh-CN" altLang="en-US"/>
           </a:p>
@@ -1269,7 +1273,7 @@
           <p:nvPr>
             <p:ph type="title"/>
             <p:custDataLst>
-              <p:tags r:id="rId1"/>
+              <p:tags r:id="rId2"/>
             </p:custDataLst>
           </p:nvPr>
         </p:nvSpPr>
@@ -1290,6 +1294,7 @@
               <a:rPr lang="zh-CN" altLang="en-US"/>
               <a:t>单击此处编辑母版标题样式</a:t>
             </a:r>
+            <a:endParaRPr lang="zh-CN" altLang="en-US"/>
           </a:p>
         </p:txBody>
       </p:sp>
@@ -1302,7 +1307,7 @@
           <p:nvPr>
             <p:ph sz="half" idx="1"/>
             <p:custDataLst>
-              <p:tags r:id="rId2"/>
+              <p:tags r:id="rId3"/>
             </p:custDataLst>
           </p:nvPr>
         </p:nvSpPr>
@@ -1323,6 +1328,7 @@
               <a:rPr lang="zh-CN" altLang="en-US"/>
               <a:t>单击此处编辑母版文本样式</a:t>
             </a:r>
+            <a:endParaRPr lang="zh-CN" altLang="en-US"/>
           </a:p>
           <a:p>
             <a:pPr lvl="1"/>
@@ -1330,6 +1336,7 @@
               <a:rPr lang="zh-CN" altLang="en-US"/>
               <a:t>第二级</a:t>
             </a:r>
+            <a:endParaRPr lang="zh-CN" altLang="en-US"/>
           </a:p>
           <a:p>
             <a:pPr lvl="2"/>
@@ -1337,6 +1344,7 @@
               <a:rPr lang="zh-CN" altLang="en-US"/>
               <a:t>第三级</a:t>
             </a:r>
+            <a:endParaRPr lang="zh-CN" altLang="en-US"/>
           </a:p>
           <a:p>
             <a:pPr lvl="3"/>
@@ -1344,6 +1352,7 @@
               <a:rPr lang="zh-CN" altLang="en-US"/>
               <a:t>第四级</a:t>
             </a:r>
+            <a:endParaRPr lang="zh-CN" altLang="en-US"/>
           </a:p>
           <a:p>
             <a:pPr lvl="4"/>
@@ -1351,6 +1360,7 @@
               <a:rPr lang="zh-CN" altLang="en-US"/>
               <a:t>第五级</a:t>
             </a:r>
+            <a:endParaRPr lang="zh-CN" altLang="en-US"/>
           </a:p>
         </p:txBody>
       </p:sp>
@@ -1363,7 +1373,7 @@
           <p:nvPr>
             <p:ph sz="half" idx="2"/>
             <p:custDataLst>
-              <p:tags r:id="rId3"/>
+              <p:tags r:id="rId4"/>
             </p:custDataLst>
           </p:nvPr>
         </p:nvSpPr>
@@ -1384,6 +1394,7 @@
               <a:rPr lang="zh-CN" altLang="en-US" dirty="0"/>
               <a:t>单击此处编辑母版文本样式</a:t>
             </a:r>
+            <a:endParaRPr lang="zh-CN" altLang="en-US" dirty="0"/>
           </a:p>
           <a:p>
             <a:pPr lvl="1"/>
@@ -1391,6 +1402,7 @@
               <a:rPr lang="zh-CN" altLang="en-US" dirty="0"/>
               <a:t>第二级</a:t>
             </a:r>
+            <a:endParaRPr lang="zh-CN" altLang="en-US" dirty="0"/>
           </a:p>
           <a:p>
             <a:pPr lvl="2"/>
@@ -1398,6 +1410,7 @@
               <a:rPr lang="zh-CN" altLang="en-US" dirty="0"/>
               <a:t>第三级</a:t>
             </a:r>
+            <a:endParaRPr lang="zh-CN" altLang="en-US" dirty="0"/>
           </a:p>
           <a:p>
             <a:pPr lvl="3"/>
@@ -1405,6 +1418,7 @@
               <a:rPr lang="zh-CN" altLang="en-US" dirty="0"/>
               <a:t>第四级</a:t>
             </a:r>
+            <a:endParaRPr lang="zh-CN" altLang="en-US" dirty="0"/>
           </a:p>
           <a:p>
             <a:pPr lvl="4"/>
@@ -1412,6 +1426,7 @@
               <a:rPr lang="zh-CN" altLang="en-US" dirty="0"/>
               <a:t>第五级</a:t>
             </a:r>
+            <a:endParaRPr lang="zh-CN" altLang="en-US" dirty="0"/>
           </a:p>
         </p:txBody>
       </p:sp>
@@ -1424,7 +1439,7 @@
           <p:nvPr>
             <p:ph type="dt" sz="half" idx="10"/>
             <p:custDataLst>
-              <p:tags r:id="rId4"/>
+              <p:tags r:id="rId5"/>
             </p:custDataLst>
           </p:nvPr>
         </p:nvSpPr>
@@ -1435,7 +1450,6 @@
           <a:p>
             <a:fld id="{760FBDFE-C587-4B4C-A407-44438C67B59E}" type="datetimeFigureOut">
               <a:rPr lang="zh-CN" altLang="en-US" smtClean="0"/>
-              <a:t>2023/3/29</a:t>
             </a:fld>
             <a:endParaRPr lang="zh-CN" altLang="en-US"/>
           </a:p>
@@ -1450,7 +1464,7 @@
           <p:nvPr>
             <p:ph type="ftr" sz="quarter" idx="11"/>
             <p:custDataLst>
-              <p:tags r:id="rId5"/>
+              <p:tags r:id="rId6"/>
             </p:custDataLst>
           </p:nvPr>
         </p:nvSpPr>
@@ -1472,7 +1486,7 @@
           <p:nvPr>
             <p:ph type="sldNum" sz="quarter" idx="12"/>
             <p:custDataLst>
-              <p:tags r:id="rId6"/>
+              <p:tags r:id="rId7"/>
             </p:custDataLst>
           </p:nvPr>
         </p:nvSpPr>
@@ -1483,7 +1497,6 @@
           <a:p>
             <a:fld id="{49AE70B2-8BF9-45C0-BB95-33D1B9D3A854}" type="slidenum">
               <a:rPr lang="zh-CN" altLang="en-US" smtClean="0"/>
-              <a:t>‹#›</a:t>
             </a:fld>
             <a:endParaRPr lang="zh-CN" altLang="en-US"/>
           </a:p>
@@ -1523,7 +1536,7 @@
           <p:nvPr>
             <p:ph type="title"/>
             <p:custDataLst>
-              <p:tags r:id="rId1"/>
+              <p:tags r:id="rId2"/>
             </p:custDataLst>
           </p:nvPr>
         </p:nvSpPr>
@@ -1544,6 +1557,7 @@
               <a:rPr lang="zh-CN" altLang="en-US"/>
               <a:t>单击此处编辑母版标题样式</a:t>
             </a:r>
+            <a:endParaRPr lang="zh-CN" altLang="en-US"/>
           </a:p>
         </p:txBody>
       </p:sp>
@@ -1556,7 +1570,7 @@
           <p:nvPr>
             <p:ph type="body" idx="1" hasCustomPrompt="1"/>
             <p:custDataLst>
-              <p:tags r:id="rId2"/>
+              <p:tags r:id="rId3"/>
             </p:custDataLst>
           </p:nvPr>
         </p:nvSpPr>
@@ -1624,6 +1638,7 @@
               <a:rPr lang="zh-CN" altLang="en-US" dirty="0"/>
               <a:t>单击此处编辑文本</a:t>
             </a:r>
+            <a:endParaRPr lang="zh-CN" altLang="en-US" dirty="0"/>
           </a:p>
         </p:txBody>
       </p:sp>
@@ -1636,7 +1651,7 @@
           <p:nvPr>
             <p:ph sz="half" idx="2"/>
             <p:custDataLst>
-              <p:tags r:id="rId3"/>
+              <p:tags r:id="rId4"/>
             </p:custDataLst>
           </p:nvPr>
         </p:nvSpPr>
@@ -1657,6 +1672,7 @@
               <a:rPr lang="zh-CN" altLang="en-US"/>
               <a:t>单击此处编辑母版文本样式</a:t>
             </a:r>
+            <a:endParaRPr lang="zh-CN" altLang="en-US"/>
           </a:p>
           <a:p>
             <a:pPr lvl="1"/>
@@ -1664,6 +1680,7 @@
               <a:rPr lang="zh-CN" altLang="en-US"/>
               <a:t>第二级</a:t>
             </a:r>
+            <a:endParaRPr lang="zh-CN" altLang="en-US"/>
           </a:p>
           <a:p>
             <a:pPr lvl="2"/>
@@ -1671,6 +1688,7 @@
               <a:rPr lang="zh-CN" altLang="en-US"/>
               <a:t>第三级</a:t>
             </a:r>
+            <a:endParaRPr lang="zh-CN" altLang="en-US"/>
           </a:p>
           <a:p>
             <a:pPr lvl="3"/>
@@ -1678,6 +1696,7 @@
               <a:rPr lang="zh-CN" altLang="en-US"/>
               <a:t>第四级</a:t>
             </a:r>
+            <a:endParaRPr lang="zh-CN" altLang="en-US"/>
           </a:p>
           <a:p>
             <a:pPr lvl="4"/>
@@ -1685,6 +1704,7 @@
               <a:rPr lang="zh-CN" altLang="en-US"/>
               <a:t>第五级</a:t>
             </a:r>
+            <a:endParaRPr lang="zh-CN" altLang="en-US"/>
           </a:p>
         </p:txBody>
       </p:sp>
@@ -1697,7 +1717,7 @@
           <p:nvPr>
             <p:ph type="body" sz="quarter" idx="3" hasCustomPrompt="1"/>
             <p:custDataLst>
-              <p:tags r:id="rId4"/>
+              <p:tags r:id="rId5"/>
             </p:custDataLst>
           </p:nvPr>
         </p:nvSpPr>
@@ -1765,6 +1785,7 @@
               <a:rPr lang="zh-CN" altLang="en-US"/>
               <a:t>单击此处编辑文本</a:t>
             </a:r>
+            <a:endParaRPr lang="zh-CN" altLang="en-US"/>
           </a:p>
         </p:txBody>
       </p:sp>
@@ -1777,7 +1798,7 @@
           <p:nvPr>
             <p:ph sz="quarter" idx="4"/>
             <p:custDataLst>
-              <p:tags r:id="rId5"/>
+              <p:tags r:id="rId6"/>
             </p:custDataLst>
           </p:nvPr>
         </p:nvSpPr>
@@ -1798,6 +1819,7 @@
               <a:rPr lang="zh-CN" altLang="en-US"/>
               <a:t>单击此处编辑母版文本样式</a:t>
             </a:r>
+            <a:endParaRPr lang="zh-CN" altLang="en-US"/>
           </a:p>
           <a:p>
             <a:pPr lvl="1"/>
@@ -1805,6 +1827,7 @@
               <a:rPr lang="zh-CN" altLang="en-US"/>
               <a:t>第二级</a:t>
             </a:r>
+            <a:endParaRPr lang="zh-CN" altLang="en-US"/>
           </a:p>
           <a:p>
             <a:pPr lvl="2"/>
@@ -1812,6 +1835,7 @@
               <a:rPr lang="zh-CN" altLang="en-US"/>
               <a:t>第三级</a:t>
             </a:r>
+            <a:endParaRPr lang="zh-CN" altLang="en-US"/>
           </a:p>
           <a:p>
             <a:pPr lvl="3"/>
@@ -1819,6 +1843,7 @@
               <a:rPr lang="zh-CN" altLang="en-US"/>
               <a:t>第四级</a:t>
             </a:r>
+            <a:endParaRPr lang="zh-CN" altLang="en-US"/>
           </a:p>
           <a:p>
             <a:pPr lvl="4"/>
@@ -1826,6 +1851,7 @@
               <a:rPr lang="zh-CN" altLang="en-US"/>
               <a:t>第五级</a:t>
             </a:r>
+            <a:endParaRPr lang="zh-CN" altLang="en-US"/>
           </a:p>
         </p:txBody>
       </p:sp>
@@ -1838,7 +1864,7 @@
           <p:nvPr>
             <p:ph type="dt" sz="half" idx="10"/>
             <p:custDataLst>
-              <p:tags r:id="rId6"/>
+              <p:tags r:id="rId7"/>
             </p:custDataLst>
           </p:nvPr>
         </p:nvSpPr>
@@ -1849,7 +1875,6 @@
           <a:p>
             <a:fld id="{760FBDFE-C587-4B4C-A407-44438C67B59E}" type="datetimeFigureOut">
               <a:rPr lang="zh-CN" altLang="en-US" smtClean="0"/>
-              <a:t>2023/3/29</a:t>
             </a:fld>
             <a:endParaRPr lang="zh-CN" altLang="en-US"/>
           </a:p>
@@ -1864,7 +1889,7 @@
           <p:nvPr>
             <p:ph type="ftr" sz="quarter" idx="11"/>
             <p:custDataLst>
-              <p:tags r:id="rId7"/>
+              <p:tags r:id="rId8"/>
             </p:custDataLst>
           </p:nvPr>
         </p:nvSpPr>
@@ -1886,7 +1911,7 @@
           <p:nvPr>
             <p:ph type="sldNum" sz="quarter" idx="12"/>
             <p:custDataLst>
-              <p:tags r:id="rId8"/>
+              <p:tags r:id="rId9"/>
             </p:custDataLst>
           </p:nvPr>
         </p:nvSpPr>
@@ -1897,7 +1922,6 @@
           <a:p>
             <a:fld id="{49AE70B2-8BF9-45C0-BB95-33D1B9D3A854}" type="slidenum">
               <a:rPr lang="zh-CN" altLang="en-US" smtClean="0"/>
-              <a:t>‹#›</a:t>
             </a:fld>
             <a:endParaRPr lang="zh-CN" altLang="en-US"/>
           </a:p>
@@ -1937,7 +1961,7 @@
           <p:nvPr>
             <p:ph type="title"/>
             <p:custDataLst>
-              <p:tags r:id="rId1"/>
+              <p:tags r:id="rId2"/>
             </p:custDataLst>
           </p:nvPr>
         </p:nvSpPr>
@@ -1958,6 +1982,7 @@
               <a:rPr lang="zh-CN" altLang="en-US"/>
               <a:t>单击此处编辑母版标题样式</a:t>
             </a:r>
+            <a:endParaRPr lang="zh-CN" altLang="en-US"/>
           </a:p>
         </p:txBody>
       </p:sp>
@@ -1970,7 +1995,7 @@
           <p:nvPr>
             <p:ph type="dt" sz="half" idx="10"/>
             <p:custDataLst>
-              <p:tags r:id="rId2"/>
+              <p:tags r:id="rId3"/>
             </p:custDataLst>
           </p:nvPr>
         </p:nvSpPr>
@@ -1981,7 +2006,6 @@
           <a:p>
             <a:fld id="{760FBDFE-C587-4B4C-A407-44438C67B59E}" type="datetimeFigureOut">
               <a:rPr lang="zh-CN" altLang="en-US" smtClean="0"/>
-              <a:t>2023/3/29</a:t>
             </a:fld>
             <a:endParaRPr lang="zh-CN" altLang="en-US"/>
           </a:p>
@@ -1996,7 +2020,7 @@
           <p:nvPr>
             <p:ph type="ftr" sz="quarter" idx="11"/>
             <p:custDataLst>
-              <p:tags r:id="rId3"/>
+              <p:tags r:id="rId4"/>
             </p:custDataLst>
           </p:nvPr>
         </p:nvSpPr>
@@ -2018,7 +2042,7 @@
           <p:nvPr>
             <p:ph type="sldNum" sz="quarter" idx="12"/>
             <p:custDataLst>
-              <p:tags r:id="rId4"/>
+              <p:tags r:id="rId5"/>
             </p:custDataLst>
           </p:nvPr>
         </p:nvSpPr>
@@ -2029,7 +2053,6 @@
           <a:p>
             <a:fld id="{49AE70B2-8BF9-45C0-BB95-33D1B9D3A854}" type="slidenum">
               <a:rPr lang="zh-CN" altLang="en-US" smtClean="0"/>
-              <a:t>‹#›</a:t>
             </a:fld>
             <a:endParaRPr lang="zh-CN" altLang="en-US"/>
           </a:p>
@@ -2069,7 +2092,7 @@
           <p:nvPr>
             <p:ph type="dt" sz="half" idx="10"/>
             <p:custDataLst>
-              <p:tags r:id="rId1"/>
+              <p:tags r:id="rId2"/>
             </p:custDataLst>
           </p:nvPr>
         </p:nvSpPr>
@@ -2080,7 +2103,6 @@
           <a:p>
             <a:fld id="{760FBDFE-C587-4B4C-A407-44438C67B59E}" type="datetimeFigureOut">
               <a:rPr lang="zh-CN" altLang="en-US" smtClean="0"/>
-              <a:t>2023/3/29</a:t>
             </a:fld>
             <a:endParaRPr lang="zh-CN" altLang="en-US"/>
           </a:p>
@@ -2095,7 +2117,7 @@
           <p:nvPr>
             <p:ph type="ftr" sz="quarter" idx="11"/>
             <p:custDataLst>
-              <p:tags r:id="rId2"/>
+              <p:tags r:id="rId3"/>
             </p:custDataLst>
           </p:nvPr>
         </p:nvSpPr>
@@ -2117,7 +2139,7 @@
           <p:nvPr>
             <p:ph type="sldNum" sz="quarter" idx="12"/>
             <p:custDataLst>
-              <p:tags r:id="rId3"/>
+              <p:tags r:id="rId4"/>
             </p:custDataLst>
           </p:nvPr>
         </p:nvSpPr>
@@ -2128,7 +2150,6 @@
           <a:p>
             <a:fld id="{49AE70B2-8BF9-45C0-BB95-33D1B9D3A854}" type="slidenum">
               <a:rPr lang="zh-CN" altLang="en-US" smtClean="0"/>
-              <a:t>‹#›</a:t>
             </a:fld>
             <a:endParaRPr lang="zh-CN" altLang="en-US"/>
           </a:p>
@@ -2168,7 +2189,7 @@
           <p:nvPr>
             <p:ph type="pic" idx="1"/>
             <p:custDataLst>
-              <p:tags r:id="rId1"/>
+              <p:tags r:id="rId2"/>
             </p:custDataLst>
           </p:nvPr>
         </p:nvSpPr>
@@ -2203,7 +2224,7 @@
           <p:nvPr>
             <p:ph type="body" sz="half" idx="2"/>
             <p:custDataLst>
-              <p:tags r:id="rId2"/>
+              <p:tags r:id="rId3"/>
             </p:custDataLst>
           </p:nvPr>
         </p:nvSpPr>
@@ -2229,6 +2250,7 @@
               <a:rPr lang="zh-CN" altLang="en-US"/>
               <a:t>单击此处编辑母版文本样式</a:t>
             </a:r>
+            <a:endParaRPr lang="zh-CN" altLang="en-US"/>
           </a:p>
         </p:txBody>
       </p:sp>
@@ -2241,7 +2263,7 @@
           <p:nvPr>
             <p:ph type="dt" sz="half" idx="10"/>
             <p:custDataLst>
-              <p:tags r:id="rId3"/>
+              <p:tags r:id="rId4"/>
             </p:custDataLst>
           </p:nvPr>
         </p:nvSpPr>
@@ -2252,7 +2274,6 @@
           <a:p>
             <a:fld id="{9EFD9D74-47D9-4702-A33C-335B63B48DBF}" type="datetimeFigureOut">
               <a:rPr lang="zh-CN" altLang="en-US" smtClean="0"/>
-              <a:t>2023/3/29</a:t>
             </a:fld>
             <a:endParaRPr lang="zh-CN" altLang="en-US" dirty="0"/>
           </a:p>
@@ -2267,7 +2288,7 @@
           <p:nvPr>
             <p:ph type="ftr" sz="quarter" idx="11"/>
             <p:custDataLst>
-              <p:tags r:id="rId4"/>
+              <p:tags r:id="rId5"/>
             </p:custDataLst>
           </p:nvPr>
         </p:nvSpPr>
@@ -2289,7 +2310,7 @@
           <p:nvPr>
             <p:ph type="sldNum" sz="quarter" idx="12"/>
             <p:custDataLst>
-              <p:tags r:id="rId5"/>
+              <p:tags r:id="rId6"/>
             </p:custDataLst>
           </p:nvPr>
         </p:nvSpPr>
@@ -2300,7 +2321,6 @@
           <a:p>
             <a:fld id="{FABC47A4-756D-490B-A52F-7D9E2C9FC05F}" type="slidenum">
               <a:rPr lang="zh-CN" altLang="en-US" smtClean="0"/>
-              <a:t>‹#›</a:t>
             </a:fld>
             <a:endParaRPr lang="zh-CN" altLang="en-US"/>
           </a:p>
@@ -2315,7 +2335,7 @@
           <p:nvPr>
             <p:ph type="title"/>
             <p:custDataLst>
-              <p:tags r:id="rId6"/>
+              <p:tags r:id="rId7"/>
             </p:custDataLst>
           </p:nvPr>
         </p:nvSpPr>
@@ -2328,6 +2348,7 @@
               <a:rPr lang="zh-CN" altLang="en-US"/>
               <a:t>单击此处编辑母版标题样式</a:t>
             </a:r>
+            <a:endParaRPr lang="zh-CN" altLang="en-US"/>
           </a:p>
         </p:txBody>
       </p:sp>
@@ -2365,7 +2386,7 @@
           <p:nvPr>
             <p:ph type="title" orient="vert" hasCustomPrompt="1"/>
             <p:custDataLst>
-              <p:tags r:id="rId1"/>
+              <p:tags r:id="rId2"/>
             </p:custDataLst>
           </p:nvPr>
         </p:nvSpPr>
@@ -2391,6 +2412,7 @@
               <a:rPr lang="zh-CN" altLang="en-US"/>
               <a:t>单击此处编辑标题</a:t>
             </a:r>
+            <a:endParaRPr lang="zh-CN" altLang="en-US"/>
           </a:p>
         </p:txBody>
       </p:sp>
@@ -2403,7 +2425,7 @@
           <p:nvPr>
             <p:ph type="body" orient="vert" idx="1"/>
             <p:custDataLst>
-              <p:tags r:id="rId2"/>
+              <p:tags r:id="rId3"/>
             </p:custDataLst>
           </p:nvPr>
         </p:nvSpPr>
@@ -2441,6 +2463,7 @@
               <a:rPr lang="zh-CN" altLang="en-US" dirty="0"/>
               <a:t>单击此处编辑母版文本样式</a:t>
             </a:r>
+            <a:endParaRPr lang="zh-CN" altLang="en-US" dirty="0"/>
           </a:p>
           <a:p>
             <a:pPr lvl="1"/>
@@ -2448,6 +2471,7 @@
               <a:rPr lang="zh-CN" altLang="en-US" dirty="0"/>
               <a:t>第二级</a:t>
             </a:r>
+            <a:endParaRPr lang="zh-CN" altLang="en-US" dirty="0"/>
           </a:p>
           <a:p>
             <a:pPr lvl="2"/>
@@ -2455,6 +2479,7 @@
               <a:rPr lang="zh-CN" altLang="en-US" dirty="0"/>
               <a:t>第三级</a:t>
             </a:r>
+            <a:endParaRPr lang="zh-CN" altLang="en-US" dirty="0"/>
           </a:p>
           <a:p>
             <a:pPr lvl="3"/>
@@ -2462,6 +2487,7 @@
               <a:rPr lang="zh-CN" altLang="en-US" dirty="0"/>
               <a:t>第四级</a:t>
             </a:r>
+            <a:endParaRPr lang="zh-CN" altLang="en-US" dirty="0"/>
           </a:p>
           <a:p>
             <a:pPr lvl="4"/>
@@ -2469,6 +2495,7 @@
               <a:rPr lang="zh-CN" altLang="en-US" dirty="0"/>
               <a:t>第五级</a:t>
             </a:r>
+            <a:endParaRPr lang="zh-CN" altLang="en-US" dirty="0"/>
           </a:p>
         </p:txBody>
       </p:sp>
@@ -2481,7 +2508,7 @@
           <p:nvPr>
             <p:ph type="dt" sz="half" idx="10"/>
             <p:custDataLst>
-              <p:tags r:id="rId3"/>
+              <p:tags r:id="rId4"/>
             </p:custDataLst>
           </p:nvPr>
         </p:nvSpPr>
@@ -2492,7 +2519,6 @@
           <a:p>
             <a:fld id="{760FBDFE-C587-4B4C-A407-44438C67B59E}" type="datetimeFigureOut">
               <a:rPr lang="zh-CN" altLang="en-US" smtClean="0"/>
-              <a:t>2023/3/29</a:t>
             </a:fld>
             <a:endParaRPr lang="zh-CN" altLang="en-US"/>
           </a:p>
@@ -2507,7 +2533,7 @@
           <p:nvPr>
             <p:ph type="ftr" sz="quarter" idx="11"/>
             <p:custDataLst>
-              <p:tags r:id="rId4"/>
+              <p:tags r:id="rId5"/>
             </p:custDataLst>
           </p:nvPr>
         </p:nvSpPr>
@@ -2529,7 +2555,7 @@
           <p:nvPr>
             <p:ph type="sldNum" sz="quarter" idx="12"/>
             <p:custDataLst>
-              <p:tags r:id="rId5"/>
+              <p:tags r:id="rId6"/>
             </p:custDataLst>
           </p:nvPr>
         </p:nvSpPr>
@@ -2540,7 +2566,6 @@
           <a:p>
             <a:fld id="{49AE70B2-8BF9-45C0-BB95-33D1B9D3A854}" type="slidenum">
               <a:rPr lang="zh-CN" altLang="en-US" smtClean="0"/>
-              <a:t>‹#›</a:t>
             </a:fld>
             <a:endParaRPr lang="zh-CN" altLang="en-US"/>
           </a:p>
@@ -2588,7 +2613,7 @@
           <p:nvPr>
             <p:ph type="title"/>
             <p:custDataLst>
-              <p:tags r:id="rId15"/>
+              <p:tags r:id="rId13"/>
             </p:custDataLst>
           </p:nvPr>
         </p:nvSpPr>
@@ -2611,6 +2636,7 @@
               <a:rPr lang="zh-CN" altLang="en-US" dirty="0"/>
               <a:t>单击此处编辑母版标题样式</a:t>
             </a:r>
+            <a:endParaRPr lang="zh-CN" altLang="en-US" dirty="0"/>
           </a:p>
         </p:txBody>
       </p:sp>
@@ -2623,7 +2649,7 @@
           <p:nvPr>
             <p:ph type="body" idx="1"/>
             <p:custDataLst>
-              <p:tags r:id="rId16"/>
+              <p:tags r:id="rId14"/>
             </p:custDataLst>
           </p:nvPr>
         </p:nvSpPr>
@@ -2647,6 +2673,7 @@
               <a:rPr lang="zh-CN" altLang="en-US" dirty="0"/>
               <a:t>单击此处编辑母版文本样式</a:t>
             </a:r>
+            <a:endParaRPr lang="zh-CN" altLang="en-US" dirty="0"/>
           </a:p>
           <a:p>
             <a:pPr lvl="1"/>
@@ -2654,6 +2681,7 @@
               <a:rPr lang="zh-CN" altLang="en-US" dirty="0"/>
               <a:t>第二级</a:t>
             </a:r>
+            <a:endParaRPr lang="zh-CN" altLang="en-US" dirty="0"/>
           </a:p>
           <a:p>
             <a:pPr lvl="2"/>
@@ -2661,6 +2689,7 @@
               <a:rPr lang="zh-CN" altLang="en-US" dirty="0"/>
               <a:t>第三级</a:t>
             </a:r>
+            <a:endParaRPr lang="zh-CN" altLang="en-US" dirty="0"/>
           </a:p>
           <a:p>
             <a:pPr lvl="3"/>
@@ -2668,6 +2697,7 @@
               <a:rPr lang="zh-CN" altLang="en-US" dirty="0"/>
               <a:t>第四级</a:t>
             </a:r>
+            <a:endParaRPr lang="zh-CN" altLang="en-US" dirty="0"/>
           </a:p>
           <a:p>
             <a:pPr lvl="4"/>
@@ -2675,6 +2705,7 @@
               <a:rPr lang="zh-CN" altLang="en-US" dirty="0"/>
               <a:t>第五级</a:t>
             </a:r>
+            <a:endParaRPr lang="zh-CN" altLang="en-US" dirty="0"/>
           </a:p>
         </p:txBody>
       </p:sp>
@@ -2687,7 +2718,7 @@
           <p:nvPr>
             <p:ph type="dt" sz="half" idx="2"/>
             <p:custDataLst>
-              <p:tags r:id="rId17"/>
+              <p:tags r:id="rId15"/>
             </p:custDataLst>
           </p:nvPr>
         </p:nvSpPr>
@@ -2718,7 +2749,6 @@
           <a:p>
             <a:fld id="{760FBDFE-C587-4B4C-A407-44438C67B59E}" type="datetimeFigureOut">
               <a:rPr lang="zh-CN" altLang="en-US" smtClean="0"/>
-              <a:t>2023/3/29</a:t>
             </a:fld>
             <a:endParaRPr lang="zh-CN" altLang="en-US"/>
           </a:p>
@@ -2733,7 +2763,7 @@
           <p:nvPr>
             <p:ph type="ftr" sz="quarter" idx="3"/>
             <p:custDataLst>
-              <p:tags r:id="rId18"/>
+              <p:tags r:id="rId16"/>
             </p:custDataLst>
           </p:nvPr>
         </p:nvSpPr>
@@ -2775,7 +2805,7 @@
           <p:nvPr>
             <p:ph type="sldNum" sz="quarter" idx="4"/>
             <p:custDataLst>
-              <p:tags r:id="rId19"/>
+              <p:tags r:id="rId17"/>
             </p:custDataLst>
           </p:nvPr>
         </p:nvSpPr>
@@ -2806,7 +2836,6 @@
           <a:p>
             <a:fld id="{49AE70B2-8BF9-45C0-BB95-33D1B9D3A854}" type="slidenum">
               <a:rPr lang="zh-CN" altLang="en-US" smtClean="0"/>
-              <a:t>‹#›</a:t>
             </a:fld>
             <a:endParaRPr lang="zh-CN" altLang="en-US" dirty="0"/>
           </a:p>
@@ -2814,7 +2843,7 @@
       </p:sp>
     </p:spTree>
     <p:custDataLst>
-      <p:tags r:id="rId14"/>
+      <p:tags r:id="rId18"/>
     </p:custDataLst>
   </p:cSld>
   <p:clrMap bg1="lt1" tx1="dk1" bg2="lt2" tx2="dk2" accent1="accent1" accent2="accent2" accent3="accent3" accent4="accent4" accent5="accent5" accent6="accent6" hlink="hlink" folHlink="folHlink"/>
@@ -3264,7 +3293,7 @@
           <p:nvPr/>
         </p:nvPicPr>
         <p:blipFill rotWithShape="1">
-          <a:blip r:embed="rId2" cstate="print">
+          <a:blip r:embed="rId1" cstate="print">
             <a:duotone>
               <a:schemeClr val="bg2">
                 <a:shade val="45000"/>
@@ -3433,6 +3462,12 @@
               </a:rPr>
               <a:t>ystem</a:t>
             </a:r>
+            <a:endParaRPr lang="zh-CN" altLang="en-US" sz="2800" b="1" dirty="0">
+              <a:solidFill>
+                <a:srgbClr val="072063"/>
+              </a:solidFill>
+              <a:latin typeface="Arial" panose="020B0604020202020204" pitchFamily="34" charset="0"/>
+            </a:endParaRPr>
           </a:p>
         </p:txBody>
       </p:sp>
@@ -3558,6 +3593,14 @@
               </a:rPr>
               <a:t>  </a:t>
             </a:r>
+            <a:endParaRPr kumimoji="0" lang="en-US" altLang="zh-CN" b="1" kern="1200" cap="none" spc="0" normalizeH="0" baseline="0" noProof="0" dirty="0">
+              <a:solidFill>
+                <a:srgbClr val="072063"/>
+              </a:solidFill>
+              <a:latin typeface="+mn-lt"/>
+              <a:ea typeface="+mn-ea"/>
+              <a:cs typeface="+mn-cs"/>
+            </a:endParaRPr>
           </a:p>
         </p:txBody>
       </p:sp>
@@ -3606,6 +3649,14 @@
               </a:rPr>
               <a:t>老师：刘晋</a:t>
             </a:r>
+            <a:endParaRPr kumimoji="0" lang="zh-CN" altLang="en-US" b="1" kern="1200" cap="none" spc="0" normalizeH="0" baseline="0" noProof="0" dirty="0">
+              <a:solidFill>
+                <a:srgbClr val="072063"/>
+              </a:solidFill>
+              <a:latin typeface="+mn-lt"/>
+              <a:ea typeface="+mn-ea"/>
+              <a:cs typeface="+mn-cs"/>
+            </a:endParaRPr>
           </a:p>
         </p:txBody>
       </p:sp>
@@ -3618,7 +3669,7 @@
           <p:nvPr/>
         </p:nvPicPr>
         <p:blipFill>
-          <a:blip r:embed="rId3"/>
+          <a:blip r:embed="rId2"/>
           <a:stretch>
             <a:fillRect/>
           </a:stretch>
@@ -3996,6 +4047,20 @@
               </a:rPr>
               <a:t>史周胤</a:t>
             </a:r>
+            <a:endParaRPr kumimoji="0" lang="zh-CN" altLang="en-US" sz="2800" b="1" i="0" u="none" strike="noStrike" kern="1200" cap="none" spc="0" normalizeH="0" baseline="0" noProof="0" dirty="0">
+              <a:ln>
+                <a:noFill/>
+              </a:ln>
+              <a:solidFill>
+                <a:srgbClr val="072063"/>
+              </a:solidFill>
+              <a:effectLst/>
+              <a:uLnTx/>
+              <a:uFillTx/>
+              <a:latin typeface="+mn-lt"/>
+              <a:ea typeface="+mn-ea"/>
+              <a:cs typeface="+mn-cs"/>
+            </a:endParaRPr>
           </a:p>
         </p:txBody>
       </p:sp>
@@ -4035,6 +4100,9 @@
               </a:rPr>
               <a:t>1.login and machine reading comprehension</a:t>
             </a:r>
+            <a:endParaRPr lang="en-US" altLang="zh-CN" sz="3200" dirty="0">
+              <a:latin typeface="+mn-ea"/>
+            </a:endParaRPr>
           </a:p>
           <a:p>
             <a:pPr>
@@ -4058,6 +4126,9 @@
               </a:rPr>
               <a:t>2.register and machine reading comprehension</a:t>
             </a:r>
+            <a:endParaRPr lang="en-US" altLang="zh-CN" sz="3200" dirty="0">
+              <a:latin typeface="+mn-ea"/>
+            </a:endParaRPr>
           </a:p>
           <a:p>
             <a:pPr>
@@ -4081,6 +4152,9 @@
               </a:rPr>
               <a:t>3.connect with frontend and the interface between the machine reading comprehension module and the backend</a:t>
             </a:r>
+            <a:endParaRPr lang="en-US" altLang="zh-CN" sz="3200" dirty="0">
+              <a:latin typeface="+mn-ea"/>
+            </a:endParaRPr>
           </a:p>
         </p:txBody>
       </p:sp>
@@ -4273,6 +4347,20 @@
               </a:rPr>
               <a:t>刘浩洋</a:t>
             </a:r>
+            <a:endParaRPr kumimoji="0" lang="zh-CN" altLang="en-US" sz="2800" b="1" i="0" u="none" strike="noStrike" kern="1200" cap="none" spc="0" normalizeH="0" baseline="0" noProof="0" dirty="0">
+              <a:ln>
+                <a:noFill/>
+              </a:ln>
+              <a:solidFill>
+                <a:srgbClr val="072063"/>
+              </a:solidFill>
+              <a:effectLst/>
+              <a:uLnTx/>
+              <a:uFillTx/>
+              <a:latin typeface="+mn-lt"/>
+              <a:ea typeface="+mn-ea"/>
+              <a:cs typeface="+mn-cs"/>
+            </a:endParaRPr>
           </a:p>
         </p:txBody>
       </p:sp>
@@ -4313,6 +4401,9 @@
               </a:rPr>
               <a:t>Image preprocessing </a:t>
             </a:r>
+            <a:endParaRPr lang="en-US" altLang="zh-CN" sz="3200" dirty="0">
+              <a:latin typeface="+mn-ea"/>
+            </a:endParaRPr>
           </a:p>
           <a:p>
             <a:pPr marL="514350" indent="-514350">
@@ -4337,6 +4428,9 @@
               </a:rPr>
               <a:t>2. Image binarization</a:t>
             </a:r>
+            <a:endParaRPr lang="en-US" altLang="zh-CN" sz="3200" dirty="0">
+              <a:latin typeface="+mn-ea"/>
+            </a:endParaRPr>
           </a:p>
           <a:p>
             <a:pPr>
@@ -4360,6 +4454,9 @@
               </a:rPr>
               <a:t>3. Noise removal and tilt correction functions</a:t>
             </a:r>
+            <a:endParaRPr lang="en-US" altLang="zh-CN" sz="3200" dirty="0">
+              <a:latin typeface="+mn-ea"/>
+            </a:endParaRPr>
           </a:p>
         </p:txBody>
       </p:sp>
@@ -4563,6 +4660,20 @@
               </a:rPr>
               <a:t>徐润轩</a:t>
             </a:r>
+            <a:endParaRPr kumimoji="0" lang="zh-CN" altLang="en-US" sz="2800" b="1" i="0" u="none" strike="noStrike" kern="1200" cap="none" spc="0" normalizeH="0" baseline="0" noProof="0" dirty="0">
+              <a:ln>
+                <a:noFill/>
+              </a:ln>
+              <a:solidFill>
+                <a:srgbClr val="072063"/>
+              </a:solidFill>
+              <a:effectLst/>
+              <a:uLnTx/>
+              <a:uFillTx/>
+              <a:latin typeface="+mn-lt"/>
+              <a:ea typeface="+mn-ea"/>
+              <a:cs typeface="+mn-cs"/>
+            </a:endParaRPr>
           </a:p>
         </p:txBody>
       </p:sp>
@@ -4602,6 +4713,9 @@
               </a:rPr>
               <a:t>1.test of login</a:t>
             </a:r>
+            <a:endParaRPr lang="en-US" altLang="zh-CN" sz="3200" dirty="0">
+              <a:latin typeface="+mn-ea"/>
+            </a:endParaRPr>
           </a:p>
           <a:p>
             <a:pPr>
@@ -4625,6 +4739,9 @@
               </a:rPr>
               <a:t>2.test of register</a:t>
             </a:r>
+            <a:endParaRPr lang="en-US" altLang="zh-CN" sz="3200" dirty="0">
+              <a:latin typeface="+mn-ea"/>
+            </a:endParaRPr>
           </a:p>
           <a:p>
             <a:pPr>
@@ -4648,6 +4765,9 @@
               </a:rPr>
               <a:t>3.test of modify user information page</a:t>
             </a:r>
+            <a:endParaRPr lang="en-US" altLang="zh-CN" sz="3200" dirty="0">
+              <a:latin typeface="+mn-ea"/>
+            </a:endParaRPr>
           </a:p>
         </p:txBody>
       </p:sp>
@@ -4851,6 +4971,20 @@
               </a:rPr>
               <a:t>蔡世鹏</a:t>
             </a:r>
+            <a:endParaRPr kumimoji="0" lang="zh-CN" altLang="en-US" sz="2800" b="1" i="0" u="none" strike="noStrike" kern="1200" cap="none" spc="0" normalizeH="0" baseline="0" noProof="0" dirty="0">
+              <a:ln>
+                <a:noFill/>
+              </a:ln>
+              <a:solidFill>
+                <a:srgbClr val="072063"/>
+              </a:solidFill>
+              <a:effectLst/>
+              <a:uLnTx/>
+              <a:uFillTx/>
+              <a:latin typeface="+mn-lt"/>
+              <a:ea typeface="+mn-ea"/>
+              <a:cs typeface="+mn-cs"/>
+            </a:endParaRPr>
           </a:p>
         </p:txBody>
       </p:sp>
@@ -4890,6 +5024,9 @@
               </a:rPr>
               <a:t>1.index</a:t>
             </a:r>
+            <a:endParaRPr lang="en-US" altLang="zh-CN" sz="3200" dirty="0">
+              <a:latin typeface="+mn-ea"/>
+            </a:endParaRPr>
           </a:p>
           <a:p>
             <a:pPr>
@@ -4903,6 +5040,9 @@
               </a:rPr>
               <a:t>2.help</a:t>
             </a:r>
+            <a:endParaRPr lang="en-US" altLang="zh-CN" sz="3200" dirty="0">
+              <a:latin typeface="+mn-ea"/>
+            </a:endParaRPr>
           </a:p>
           <a:p>
             <a:pPr>
@@ -4916,6 +5056,9 @@
               </a:rPr>
               <a:t>3.connect with backend</a:t>
             </a:r>
+            <a:endParaRPr lang="en-US" altLang="zh-CN" sz="3200" dirty="0">
+              <a:latin typeface="+mn-ea"/>
+            </a:endParaRPr>
           </a:p>
           <a:p>
             <a:pPr>
@@ -4929,6 +5072,9 @@
               </a:rPr>
               <a:t>4. optimize the interface and prepare to commit code</a:t>
             </a:r>
+            <a:endParaRPr lang="en-US" altLang="zh-CN" sz="3200" dirty="0">
+              <a:latin typeface="+mn-ea"/>
+            </a:endParaRPr>
           </a:p>
         </p:txBody>
       </p:sp>
@@ -5132,6 +5278,20 @@
               </a:rPr>
               <a:t>史周胤</a:t>
             </a:r>
+            <a:endParaRPr kumimoji="0" lang="zh-CN" altLang="en-US" sz="2800" b="1" i="0" u="none" strike="noStrike" kern="1200" cap="none" spc="0" normalizeH="0" baseline="0" noProof="0" dirty="0">
+              <a:ln>
+                <a:noFill/>
+              </a:ln>
+              <a:solidFill>
+                <a:srgbClr val="072063"/>
+              </a:solidFill>
+              <a:effectLst/>
+              <a:uLnTx/>
+              <a:uFillTx/>
+              <a:latin typeface="+mn-lt"/>
+              <a:ea typeface="+mn-ea"/>
+              <a:cs typeface="+mn-cs"/>
+            </a:endParaRPr>
           </a:p>
         </p:txBody>
       </p:sp>
@@ -5171,6 +5331,9 @@
               </a:rPr>
               <a:t>1. split sentences and word segmentation functions and build the English function of collaborative matrix function</a:t>
             </a:r>
+            <a:endParaRPr lang="en-US" altLang="zh-CN" sz="2800" dirty="0">
+              <a:latin typeface="+mn-ea"/>
+            </a:endParaRPr>
           </a:p>
           <a:p>
             <a:pPr>
@@ -5184,6 +5347,9 @@
               </a:rPr>
               <a:t>2. calculate the weight score and the summary extraction module</a:t>
             </a:r>
+            <a:endParaRPr lang="en-US" altLang="zh-CN" sz="2800" dirty="0">
+              <a:latin typeface="+mn-ea"/>
+            </a:endParaRPr>
           </a:p>
           <a:p>
             <a:pPr>
@@ -5197,6 +5363,9 @@
               </a:rPr>
               <a:t>3. docking of individual modules</a:t>
             </a:r>
+            <a:endParaRPr lang="en-US" altLang="zh-CN" sz="2800" dirty="0">
+              <a:latin typeface="+mn-ea"/>
+            </a:endParaRPr>
           </a:p>
           <a:p>
             <a:pPr>
@@ -5210,6 +5379,9 @@
               </a:rPr>
               <a:t>4. optimize the interface and prepare to commit code</a:t>
             </a:r>
+            <a:endParaRPr lang="en-US" altLang="zh-CN" sz="2800" dirty="0">
+              <a:latin typeface="+mn-ea"/>
+            </a:endParaRPr>
           </a:p>
           <a:p>
             <a:pPr>
@@ -5423,6 +5595,20 @@
               </a:rPr>
               <a:t>刘浩洋</a:t>
             </a:r>
+            <a:endParaRPr kumimoji="0" lang="zh-CN" altLang="en-US" sz="2800" b="1" i="0" u="none" strike="noStrike" kern="1200" cap="none" spc="0" normalizeH="0" baseline="0" noProof="0" dirty="0">
+              <a:ln>
+                <a:noFill/>
+              </a:ln>
+              <a:solidFill>
+                <a:srgbClr val="072063"/>
+              </a:solidFill>
+              <a:effectLst/>
+              <a:uLnTx/>
+              <a:uFillTx/>
+              <a:latin typeface="+mn-lt"/>
+              <a:ea typeface="+mn-ea"/>
+              <a:cs typeface="+mn-cs"/>
+            </a:endParaRPr>
           </a:p>
         </p:txBody>
       </p:sp>
@@ -5462,6 +5648,9 @@
               </a:rPr>
               <a:t>1. layout analysis, character cutting, character recognition module</a:t>
             </a:r>
+            <a:endParaRPr lang="en-US" altLang="zh-CN" sz="2800" dirty="0">
+              <a:latin typeface="+mn-ea"/>
+            </a:endParaRPr>
           </a:p>
           <a:p>
             <a:pPr>
@@ -5475,6 +5664,9 @@
               </a:rPr>
               <a:t>2. character recognition, layout restoration, post-processing proofreading functions</a:t>
             </a:r>
+            <a:endParaRPr lang="en-US" altLang="zh-CN" sz="2800" dirty="0">
+              <a:latin typeface="+mn-ea"/>
+            </a:endParaRPr>
           </a:p>
           <a:p>
             <a:pPr>
@@ -5488,6 +5680,9 @@
               </a:rPr>
               <a:t>3. the integration of an image-to-text module with a backend</a:t>
             </a:r>
+            <a:endParaRPr lang="en-US" altLang="zh-CN" sz="2800" dirty="0">
+              <a:latin typeface="+mn-ea"/>
+            </a:endParaRPr>
           </a:p>
           <a:p>
             <a:pPr>
@@ -5501,6 +5696,9 @@
               </a:rPr>
               <a:t>4. optimize the interface and prepare to commit code</a:t>
             </a:r>
+            <a:endParaRPr lang="en-US" altLang="zh-CN" sz="2800" dirty="0">
+              <a:latin typeface="+mn-ea"/>
+            </a:endParaRPr>
           </a:p>
           <a:p>
             <a:pPr>
@@ -5714,6 +5912,20 @@
               </a:rPr>
               <a:t>徐润轩</a:t>
             </a:r>
+            <a:endParaRPr kumimoji="0" lang="zh-CN" altLang="en-US" sz="2800" b="1" i="0" u="none" strike="noStrike" kern="1200" cap="none" spc="0" normalizeH="0" baseline="0" noProof="0" dirty="0">
+              <a:ln>
+                <a:noFill/>
+              </a:ln>
+              <a:solidFill>
+                <a:srgbClr val="072063"/>
+              </a:solidFill>
+              <a:effectLst/>
+              <a:uLnTx/>
+              <a:uFillTx/>
+              <a:latin typeface="+mn-lt"/>
+              <a:ea typeface="+mn-ea"/>
+              <a:cs typeface="+mn-cs"/>
+            </a:endParaRPr>
           </a:p>
         </p:txBody>
       </p:sp>
@@ -5753,6 +5965,9 @@
               </a:rPr>
               <a:t>1. test of index</a:t>
             </a:r>
+            <a:endParaRPr lang="en-US" altLang="zh-CN" sz="3200" dirty="0">
+              <a:latin typeface="+mn-ea"/>
+            </a:endParaRPr>
           </a:p>
           <a:p>
             <a:pPr>
@@ -5766,6 +5981,9 @@
               </a:rPr>
               <a:t>2. test of backend</a:t>
             </a:r>
+            <a:endParaRPr lang="en-US" altLang="zh-CN" sz="3200" dirty="0">
+              <a:latin typeface="+mn-ea"/>
+            </a:endParaRPr>
           </a:p>
           <a:p>
             <a:pPr>
@@ -5779,6 +5997,9 @@
               </a:rPr>
               <a:t>3. connect with frontend and backend and submit  the final test report </a:t>
             </a:r>
+            <a:endParaRPr lang="en-US" altLang="zh-CN" sz="3200" dirty="0">
+              <a:latin typeface="+mn-ea"/>
+            </a:endParaRPr>
           </a:p>
           <a:p>
             <a:pPr>
@@ -5792,6 +6013,9 @@
               </a:rPr>
               <a:t>4. prepare to commit code</a:t>
             </a:r>
+            <a:endParaRPr lang="en-US" altLang="zh-CN" sz="3200" dirty="0">
+              <a:latin typeface="+mn-ea"/>
+            </a:endParaRPr>
           </a:p>
         </p:txBody>
       </p:sp>
@@ -5914,13 +6138,7 @@
       </p:grpSpPr>
       <p:sp>
         <p:nvSpPr>
-          <p:cNvPr id="6" name="直角三角形 4">
-            <a:extLst>
-              <a:ext uri="{FF2B5EF4-FFF2-40B4-BE49-F238E27FC236}">
-                <a16:creationId xmlns:a16="http://schemas.microsoft.com/office/drawing/2014/main" id="{6C545451-9B65-242F-59EC-849E44CA52AA}"/>
-              </a:ext>
-            </a:extLst>
-          </p:cNvPr>
+          <p:cNvPr id="6" name="直角三角形 4"/>
           <p:cNvSpPr/>
           <p:nvPr/>
         </p:nvSpPr>
@@ -6064,13 +6282,7 @@
       </p:sp>
       <p:grpSp>
         <p:nvGrpSpPr>
-          <p:cNvPr id="7" name="组合 6">
-            <a:extLst>
-              <a:ext uri="{FF2B5EF4-FFF2-40B4-BE49-F238E27FC236}">
-                <a16:creationId xmlns:a16="http://schemas.microsoft.com/office/drawing/2014/main" id="{B82D90E1-2CCE-CCF1-98EE-94D106FA16D8}"/>
-              </a:ext>
-            </a:extLst>
-          </p:cNvPr>
+          <p:cNvPr id="7" name="组合 6"/>
           <p:cNvGrpSpPr/>
           <p:nvPr/>
         </p:nvGrpSpPr>
@@ -6084,13 +6296,7 @@
         </p:grpSpPr>
         <p:sp>
           <p:nvSpPr>
-            <p:cNvPr id="8" name="椭圆 7">
-              <a:extLst>
-                <a:ext uri="{FF2B5EF4-FFF2-40B4-BE49-F238E27FC236}">
-                  <a16:creationId xmlns:a16="http://schemas.microsoft.com/office/drawing/2014/main" id="{AEC1F015-99CB-52CE-6221-8D839A86CA1B}"/>
-                </a:ext>
-              </a:extLst>
-            </p:cNvPr>
+            <p:cNvPr id="8" name="椭圆 7"/>
             <p:cNvSpPr/>
             <p:nvPr/>
           </p:nvSpPr>
@@ -6181,20 +6387,14 @@
         </p:sp>
         <p:pic>
           <p:nvPicPr>
-            <p:cNvPr id="9" name="Picture 5" descr="C:\Users\ABC\Desktop\Nipic_11005352_20140416191438596132.png">
-              <a:extLst>
-                <a:ext uri="{FF2B5EF4-FFF2-40B4-BE49-F238E27FC236}">
-                  <a16:creationId xmlns:a16="http://schemas.microsoft.com/office/drawing/2014/main" id="{5824E423-A6C3-8067-848D-FBAA82617699}"/>
-                </a:ext>
-              </a:extLst>
-            </p:cNvPr>
+            <p:cNvPr id="9" name="Picture 5" descr="C:\Users\ABC\Desktop\Nipic_11005352_20140416191438596132.png"/>
             <p:cNvPicPr>
               <a:picLocks noChangeAspect="1"/>
             </p:cNvPicPr>
             <p:nvPr/>
           </p:nvPicPr>
           <p:blipFill>
-            <a:blip r:embed="rId2">
+            <a:blip r:embed="rId1">
               <a:grayscl/>
             </a:blip>
             <a:stretch>
@@ -6218,13 +6418,7 @@
       </p:grpSp>
       <p:sp>
         <p:nvSpPr>
-          <p:cNvPr id="10" name="直角三角形 4">
-            <a:extLst>
-              <a:ext uri="{FF2B5EF4-FFF2-40B4-BE49-F238E27FC236}">
-                <a16:creationId xmlns:a16="http://schemas.microsoft.com/office/drawing/2014/main" id="{006ADD94-5B17-E4FF-9F56-B0A355462751}"/>
-              </a:ext>
-            </a:extLst>
-          </p:cNvPr>
+          <p:cNvPr id="10" name="直角三角形 4"/>
           <p:cNvSpPr/>
           <p:nvPr/>
         </p:nvSpPr>
@@ -6368,13 +6562,7 @@
       </p:sp>
       <p:sp>
         <p:nvSpPr>
-          <p:cNvPr id="11" name="文本框 10">
-            <a:extLst>
-              <a:ext uri="{FF2B5EF4-FFF2-40B4-BE49-F238E27FC236}">
-                <a16:creationId xmlns:a16="http://schemas.microsoft.com/office/drawing/2014/main" id="{BEF0B50E-8460-80F7-10F7-856C7929E91F}"/>
-              </a:ext>
-            </a:extLst>
-          </p:cNvPr>
+          <p:cNvPr id="11" name="文本框 10"/>
           <p:cNvSpPr txBox="1"/>
           <p:nvPr/>
         </p:nvSpPr>
@@ -6403,11 +6591,6 @@
         </p:txBody>
       </p:sp>
     </p:spTree>
-    <p:extLst>
-      <p:ext uri="{BB962C8B-B14F-4D97-AF65-F5344CB8AC3E}">
-        <p14:creationId xmlns:p14="http://schemas.microsoft.com/office/powerpoint/2010/main" val="2402131854"/>
-      </p:ext>
-    </p:extLst>
   </p:cSld>
   <p:clrMapOvr>
     <a:masterClrMapping/>
@@ -6511,7 +6694,7 @@
                         <p:par>
                           <p:cTn id="11" fill="hold">
                             <p:stCondLst>
-                              <p:cond delay="300"/>
+                              <p:cond delay="500"/>
                             </p:stCondLst>
                             <p:childTnLst>
                               <p:par>
@@ -6855,7 +7038,7 @@
             <p:nvPr/>
           </p:nvPicPr>
           <p:blipFill>
-            <a:blip r:embed="rId2">
+            <a:blip r:embed="rId1">
               <a:grayscl/>
             </a:blip>
             <a:stretch>
@@ -6926,6 +7109,12 @@
                 </a:rPr>
                 <a:t>Background and significance</a:t>
               </a:r>
+              <a:endParaRPr lang="zh-CN" altLang="en-US" sz="2000" b="1" dirty="0">
+                <a:solidFill>
+                  <a:srgbClr val="072063"/>
+                </a:solidFill>
+                <a:latin typeface="Arial" panose="020B0604020202020204" pitchFamily="34" charset="0"/>
+              </a:endParaRPr>
             </a:p>
           </p:txBody>
         </p:sp>
@@ -7039,6 +7228,20 @@
               </a:rPr>
               <a:t>atalogue</a:t>
             </a:r>
+            <a:endParaRPr kumimoji="0" lang="zh-CN" altLang="en-US" sz="2800" b="1" i="0" u="none" strike="noStrike" kern="1200" cap="none" spc="0" normalizeH="0" baseline="0" noProof="0">
+              <a:ln>
+                <a:noFill/>
+              </a:ln>
+              <a:solidFill>
+                <a:srgbClr val="072063"/>
+              </a:solidFill>
+              <a:effectLst/>
+              <a:uLnTx/>
+              <a:uFillTx/>
+              <a:latin typeface="+mn-lt"/>
+              <a:ea typeface="+mn-ea"/>
+              <a:cs typeface="+mn-cs"/>
+            </a:endParaRPr>
           </a:p>
         </p:txBody>
       </p:sp>
@@ -7091,6 +7294,12 @@
                 </a:rPr>
                 <a:t>Function realization</a:t>
               </a:r>
+              <a:endParaRPr lang="zh-CN" altLang="en-US" sz="2000" b="1" dirty="0">
+                <a:solidFill>
+                  <a:srgbClr val="072063"/>
+                </a:solidFill>
+                <a:latin typeface="Arial" panose="020B0604020202020204" pitchFamily="34" charset="0"/>
+              </a:endParaRPr>
             </a:p>
           </p:txBody>
         </p:sp>
@@ -7192,6 +7401,12 @@
                 </a:rPr>
                 <a:t>lan</a:t>
               </a:r>
+              <a:endParaRPr lang="zh-CN" altLang="en-US" sz="2000" b="1" dirty="0">
+                <a:solidFill>
+                  <a:srgbClr val="072063"/>
+                </a:solidFill>
+                <a:latin typeface="Arial" panose="020B0604020202020204" pitchFamily="34" charset="0"/>
+              </a:endParaRPr>
             </a:p>
           </p:txBody>
         </p:sp>
@@ -10294,7 +10509,7 @@
           <p:nvPr/>
         </p:nvPicPr>
         <p:blipFill rotWithShape="1">
-          <a:blip r:embed="rId2" cstate="print">
+          <a:blip r:embed="rId1" cstate="print">
             <a:duotone>
               <a:schemeClr val="bg2">
                 <a:shade val="45000"/>
@@ -10365,7 +10580,7 @@
           <p:nvPr/>
         </p:nvPicPr>
         <p:blipFill rotWithShape="1">
-          <a:blip r:embed="rId2" cstate="print">
+          <a:blip r:embed="rId1" cstate="print">
             <a:duotone>
               <a:schemeClr val="bg2">
                 <a:shade val="45000"/>
@@ -11631,7 +11846,7 @@
           <p:nvPr/>
         </p:nvPicPr>
         <p:blipFill>
-          <a:blip r:embed="rId3"/>
+          <a:blip r:embed="rId2"/>
           <a:stretch>
             <a:fillRect/>
           </a:stretch>
@@ -11999,6 +12214,9 @@
               </a:rPr>
               <a:t>As people's fragmented time continues to increase, there is an urgent need for something short and powerful to fill the gaps in time. The popularity of short videos also confirms this. However, some people prefer reading books to watching videos, but suffer from not having enough time to finish reading a book. </a:t>
             </a:r>
+            <a:endParaRPr sz="2000" dirty="0">
+              <a:latin typeface="Arial" panose="020B0604020202020204" pitchFamily="34" charset="0"/>
+            </a:endParaRPr>
           </a:p>
           <a:p>
             <a:pPr indent="266700" eaLnBrk="1" hangingPunct="1">
@@ -12015,6 +12233,9 @@
               </a:rPr>
               <a:t>This project uses machine reading comprehension to summarize user input data, enabling users to acquire desired knowledge in the shortest possible time.</a:t>
             </a:r>
+            <a:endParaRPr sz="2000" dirty="0">
+              <a:latin typeface="Arial" panose="020B0604020202020204" pitchFamily="34" charset="0"/>
+            </a:endParaRPr>
           </a:p>
         </p:txBody>
       </p:sp>
@@ -12144,7 +12365,7 @@
           <p:nvPr/>
         </p:nvPicPr>
         <p:blipFill rotWithShape="1">
-          <a:blip r:embed="rId2" cstate="print">
+          <a:blip r:embed="rId1" cstate="print">
             <a:duotone>
               <a:schemeClr val="bg2">
                 <a:shade val="45000"/>
@@ -12215,7 +12436,7 @@
           <p:nvPr/>
         </p:nvPicPr>
         <p:blipFill rotWithShape="1">
-          <a:blip r:embed="rId2" cstate="print">
+          <a:blip r:embed="rId1" cstate="print">
             <a:duotone>
               <a:schemeClr val="bg2">
                 <a:shade val="45000"/>
@@ -12313,6 +12534,13 @@
               </a:rPr>
               <a:t>Function realization</a:t>
             </a:r>
+            <a:endParaRPr lang="zh-CN" altLang="en-US" sz="3200" b="1" dirty="0">
+              <a:solidFill>
+                <a:srgbClr val="072063"/>
+              </a:solidFill>
+              <a:latin typeface="Arial" panose="020B0604020202020204" pitchFamily="34" charset="0"/>
+              <a:sym typeface="+mn-ea"/>
+            </a:endParaRPr>
           </a:p>
         </p:txBody>
       </p:sp>
@@ -13214,7 +13442,7 @@
           <p:nvPr/>
         </p:nvPicPr>
         <p:blipFill>
-          <a:blip r:embed="rId3"/>
+          <a:blip r:embed="rId2"/>
           <a:stretch>
             <a:fillRect/>
           </a:stretch>
@@ -13521,6 +13749,13 @@
               </a:rPr>
               <a:t>Core functions</a:t>
             </a:r>
+            <a:endParaRPr lang="zh-CN" altLang="en-US" sz="2800" dirty="0">
+              <a:solidFill>
+                <a:srgbClr val="072063"/>
+              </a:solidFill>
+              <a:latin typeface="Arial" panose="020B0604020202020204" pitchFamily="34" charset="0"/>
+              <a:sym typeface="+mn-ea"/>
+            </a:endParaRPr>
           </a:p>
         </p:txBody>
       </p:sp>
@@ -13560,6 +13795,9 @@
               </a:rPr>
               <a:t>1. Users can upload pictures, and then the system can extract the articles in the pictures and convert them into text.</a:t>
             </a:r>
+            <a:endParaRPr sz="2200" dirty="0">
+              <a:latin typeface="Arial" panose="020B0604020202020204" pitchFamily="34" charset="0"/>
+            </a:endParaRPr>
           </a:p>
           <a:p>
             <a:pPr>
@@ -13595,6 +13833,9 @@
               </a:rPr>
               <a:t> the article, the system can understand and summarize the content of the article.</a:t>
             </a:r>
+            <a:endParaRPr sz="2200" dirty="0">
+              <a:latin typeface="Arial" panose="020B0604020202020204" pitchFamily="34" charset="0"/>
+            </a:endParaRPr>
           </a:p>
           <a:p>
             <a:pPr>
@@ -13618,6 +13859,9 @@
               </a:rPr>
               <a:t>3. When the user asks questions about the article, the system needs to answer the user's questions according to the article content.</a:t>
             </a:r>
+            <a:endParaRPr sz="2200" dirty="0">
+              <a:latin typeface="Arial" panose="020B0604020202020204" pitchFamily="34" charset="0"/>
+            </a:endParaRPr>
           </a:p>
         </p:txBody>
       </p:sp>
@@ -13791,6 +14035,20 @@
               </a:rPr>
               <a:t>Other functions</a:t>
             </a:r>
+            <a:endParaRPr kumimoji="0" lang="zh-CN" altLang="en-US" sz="2800" b="1" i="0" u="none" strike="noStrike" kern="1200" cap="none" spc="0" normalizeH="0" baseline="0" noProof="0">
+              <a:ln>
+                <a:noFill/>
+              </a:ln>
+              <a:solidFill>
+                <a:srgbClr val="072063"/>
+              </a:solidFill>
+              <a:effectLst/>
+              <a:uLnTx/>
+              <a:uFillTx/>
+              <a:latin typeface="+mn-lt"/>
+              <a:ea typeface="+mn-ea"/>
+              <a:cs typeface="+mn-cs"/>
+            </a:endParaRPr>
           </a:p>
         </p:txBody>
       </p:sp>
@@ -13830,6 +14088,9 @@
               </a:rPr>
               <a:t>1. Realize user registration, login and modification of personal information module. Users who have recently logged in should be exempted from logging in within 1 day.</a:t>
             </a:r>
+            <a:endParaRPr lang="zh-CN" altLang="en-US" sz="2000" dirty="0">
+              <a:latin typeface="Arial" panose="020B0604020202020204" pitchFamily="34" charset="0"/>
+            </a:endParaRPr>
           </a:p>
           <a:p>
             <a:pPr eaLnBrk="1" hangingPunct="1">
@@ -13853,6 +14114,9 @@
               </a:rPr>
               <a:t>2. Realize the diversification of article upload modes, not limited to pictures. Users can upload via txt format or directly input the content of the article.</a:t>
             </a:r>
+            <a:endParaRPr lang="zh-CN" altLang="en-US" sz="2000" dirty="0">
+              <a:latin typeface="Arial" panose="020B0604020202020204" pitchFamily="34" charset="0"/>
+            </a:endParaRPr>
           </a:p>
           <a:p>
             <a:pPr eaLnBrk="1" hangingPunct="1">
@@ -13882,6 +14146,9 @@
               </a:rPr>
               <a:t>The front-end interface uses the chat dialog box to realize the functions of article uploading, system answering and user questioning. The user can input commands to let the system judge what function to perform.</a:t>
             </a:r>
+            <a:endParaRPr lang="zh-CN" altLang="en-US" sz="2000" dirty="0">
+              <a:latin typeface="Arial" panose="020B0604020202020204" pitchFamily="34" charset="0"/>
+            </a:endParaRPr>
           </a:p>
         </p:txBody>
       </p:sp>
@@ -14011,7 +14278,7 @@
           <p:nvPr/>
         </p:nvPicPr>
         <p:blipFill rotWithShape="1">
-          <a:blip r:embed="rId2" cstate="print">
+          <a:blip r:embed="rId1" cstate="print">
             <a:duotone>
               <a:schemeClr val="bg2">
                 <a:shade val="45000"/>
@@ -14082,7 +14349,7 @@
           <p:nvPr/>
         </p:nvPicPr>
         <p:blipFill rotWithShape="1">
-          <a:blip r:embed="rId2" cstate="print">
+          <a:blip r:embed="rId1" cstate="print">
             <a:duotone>
               <a:schemeClr val="bg2">
                 <a:shade val="45000"/>
@@ -15096,7 +15363,7 @@
           <p:nvPr/>
         </p:nvPicPr>
         <p:blipFill>
-          <a:blip r:embed="rId3"/>
+          <a:blip r:embed="rId2"/>
           <a:stretch>
             <a:fillRect/>
           </a:stretch>
@@ -15427,6 +15694,20 @@
               </a:rPr>
               <a:t>蔡世鹏</a:t>
             </a:r>
+            <a:endParaRPr kumimoji="0" lang="zh-CN" altLang="en-US" sz="2800" b="1" i="0" u="none" strike="noStrike" kern="1200" cap="none" spc="0" normalizeH="0" baseline="0" noProof="0" dirty="0">
+              <a:ln>
+                <a:noFill/>
+              </a:ln>
+              <a:solidFill>
+                <a:srgbClr val="072063"/>
+              </a:solidFill>
+              <a:effectLst/>
+              <a:uLnTx/>
+              <a:uFillTx/>
+              <a:latin typeface="+mn-lt"/>
+              <a:ea typeface="+mn-ea"/>
+              <a:cs typeface="+mn-cs"/>
+            </a:endParaRPr>
           </a:p>
         </p:txBody>
       </p:sp>
@@ -15466,6 +15747,9 @@
               </a:rPr>
               <a:t>1.login</a:t>
             </a:r>
+            <a:endParaRPr lang="en-US" altLang="zh-CN" sz="3200" dirty="0">
+              <a:latin typeface="+mn-ea"/>
+            </a:endParaRPr>
           </a:p>
           <a:p>
             <a:pPr>
@@ -15489,6 +15773,9 @@
               </a:rPr>
               <a:t>2.register</a:t>
             </a:r>
+            <a:endParaRPr lang="en-US" altLang="zh-CN" sz="3200" dirty="0">
+              <a:latin typeface="+mn-ea"/>
+            </a:endParaRPr>
           </a:p>
           <a:p>
             <a:pPr>
@@ -15512,6 +15799,9 @@
               </a:rPr>
               <a:t>3. connect with backend and modify user information</a:t>
             </a:r>
+            <a:endParaRPr lang="en-US" altLang="zh-CN" sz="3200" dirty="0">
+              <a:latin typeface="+mn-ea"/>
+            </a:endParaRPr>
           </a:p>
         </p:txBody>
       </p:sp>
@@ -15616,14 +15906,7 @@
 </file>
 
 <file path=ppt/tags/tag1.xml><?xml version="1.0" encoding="utf-8"?>
-<p:tagLst xmlns:a="http://schemas.openxmlformats.org/drawingml/2006/main" xmlns:r="http://schemas.openxmlformats.org/officeDocument/2006/relationships" xmlns:p="http://schemas.openxmlformats.org/presentationml/2006/main">
-  <p:tag name="COMMONDATA" val="eyJoZGlkIjoiMDk4ZjNmMTc2MTRmMTJmZjg3MzQyNTZjNGJmM2QyM2YifQ=="/>
-  <p:tag name="KSO_WPP_MARK_KEY" val="427f756b-741d-4222-89f2-772ae152df49"/>
-</p:tagLst>
-</file>
-
-<file path=ppt/tags/tag10.xml><?xml version="1.0" encoding="utf-8"?>
-<p:tagLst xmlns:a="http://schemas.openxmlformats.org/drawingml/2006/main" xmlns:r="http://schemas.openxmlformats.org/officeDocument/2006/relationships" xmlns:p="http://schemas.openxmlformats.org/presentationml/2006/main">
+<p:tagLst xmlns:p="http://schemas.openxmlformats.org/presentationml/2006/main">
   <p:tag name="KSO_WM_UNIT_HIGHLIGHT" val="0"/>
   <p:tag name="KSO_WM_UNIT_COMPATIBLE" val="0"/>
   <p:tag name="KSO_WM_UNIT_DIAGRAM_ISNUMVISUAL" val="0"/>
@@ -15635,8 +15918,138 @@
 </p:tagLst>
 </file>
 
+<file path=ppt/tags/tag10.xml><?xml version="1.0" encoding="utf-8"?>
+<p:tagLst xmlns:p="http://schemas.openxmlformats.org/presentationml/2006/main">
+  <p:tag name="KSO_WM_UNIT_HIGHLIGHT" val="0"/>
+  <p:tag name="KSO_WM_UNIT_COMPATIBLE" val="0"/>
+  <p:tag name="KSO_WM_UNIT_DIAGRAM_ISNUMVISUAL" val="0"/>
+  <p:tag name="KSO_WM_UNIT_DIAGRAM_ISREFERUNIT" val="0"/>
+  <p:tag name="KSO_WM_UNIT_ID" val="_2**"/>
+  <p:tag name="KSO_WM_UNIT_LAYERLEVEL" val="1"/>
+  <p:tag name="KSO_WM_TAG_VERSION" val="1.0"/>
+  <p:tag name="KSO_WM_BEAUTIFY_FLAG" val="#wm#"/>
+</p:tagLst>
+</file>
+
 <file path=ppt/tags/tag11.xml><?xml version="1.0" encoding="utf-8"?>
-<p:tagLst xmlns:a="http://schemas.openxmlformats.org/drawingml/2006/main" xmlns:r="http://schemas.openxmlformats.org/officeDocument/2006/relationships" xmlns:p="http://schemas.openxmlformats.org/presentationml/2006/main">
+<p:tagLst xmlns:p="http://schemas.openxmlformats.org/presentationml/2006/main">
+  <p:tag name="KSO_WM_UNIT_HIGHLIGHT" val="0"/>
+  <p:tag name="KSO_WM_UNIT_COMPATIBLE" val="0"/>
+  <p:tag name="KSO_WM_UNIT_DIAGRAM_ISNUMVISUAL" val="0"/>
+  <p:tag name="KSO_WM_UNIT_DIAGRAM_ISREFERUNIT" val="0"/>
+  <p:tag name="KSO_WM_UNIT_ID" val="_3**"/>
+  <p:tag name="KSO_WM_UNIT_LAYERLEVEL" val="1"/>
+  <p:tag name="KSO_WM_TAG_VERSION" val="1.0"/>
+  <p:tag name="KSO_WM_BEAUTIFY_FLAG" val="#wm#"/>
+</p:tagLst>
+</file>
+
+<file path=ppt/tags/tag12.xml><?xml version="1.0" encoding="utf-8"?>
+<p:tagLst xmlns:p="http://schemas.openxmlformats.org/presentationml/2006/main">
+  <p:tag name="KSO_WM_UNIT_HIGHLIGHT" val="0"/>
+  <p:tag name="KSO_WM_UNIT_COMPATIBLE" val="0"/>
+  <p:tag name="KSO_WM_UNIT_DIAGRAM_ISNUMVISUAL" val="0"/>
+  <p:tag name="KSO_WM_UNIT_DIAGRAM_ISREFERUNIT" val="0"/>
+  <p:tag name="KSO_WM_UNIT_ID" val="_3**"/>
+  <p:tag name="KSO_WM_UNIT_LAYERLEVEL" val="1"/>
+  <p:tag name="KSO_WM_TAG_VERSION" val="1.0"/>
+  <p:tag name="KSO_WM_BEAUTIFY_FLAG" val="#wm#"/>
+</p:tagLst>
+</file>
+
+<file path=ppt/tags/tag13.xml><?xml version="1.0" encoding="utf-8"?>
+<p:tagLst xmlns:p="http://schemas.openxmlformats.org/presentationml/2006/main">
+  <p:tag name="KSO_WM_UNIT_HIGHLIGHT" val="0"/>
+  <p:tag name="KSO_WM_UNIT_COMPATIBLE" val="0"/>
+  <p:tag name="KSO_WM_UNIT_DIAGRAM_ISNUMVISUAL" val="0"/>
+  <p:tag name="KSO_WM_UNIT_DIAGRAM_ISREFERUNIT" val="0"/>
+  <p:tag name="KSO_WM_UNIT_ID" val="_3**"/>
+  <p:tag name="KSO_WM_UNIT_LAYERLEVEL" val="1"/>
+  <p:tag name="KSO_WM_TAG_VERSION" val="1.0"/>
+  <p:tag name="KSO_WM_BEAUTIFY_FLAG" val="#wm#"/>
+</p:tagLst>
+</file>
+
+<file path=ppt/tags/tag14.xml><?xml version="1.0" encoding="utf-8"?>
+<p:tagLst xmlns:p="http://schemas.openxmlformats.org/presentationml/2006/main">
+  <p:tag name="KSO_WM_UNIT_HIGHLIGHT" val="0"/>
+  <p:tag name="KSO_WM_UNIT_COMPATIBLE" val="0"/>
+  <p:tag name="KSO_WM_UNIT_DIAGRAM_ISNUMVISUAL" val="0"/>
+  <p:tag name="KSO_WM_UNIT_DIAGRAM_ISREFERUNIT" val="0"/>
+  <p:tag name="KSO_WM_UNIT_ID" val="_3**"/>
+  <p:tag name="KSO_WM_UNIT_LAYERLEVEL" val="1"/>
+  <p:tag name="KSO_WM_TAG_VERSION" val="1.0"/>
+  <p:tag name="KSO_WM_BEAUTIFY_FLAG" val="#wm#"/>
+</p:tagLst>
+</file>
+
+<file path=ppt/tags/tag15.xml><?xml version="1.0" encoding="utf-8"?>
+<p:tagLst xmlns:p="http://schemas.openxmlformats.org/presentationml/2006/main">
+  <p:tag name="KSO_WM_UNIT_HIGHLIGHT" val="0"/>
+  <p:tag name="KSO_WM_UNIT_COMPATIBLE" val="0"/>
+  <p:tag name="KSO_WM_UNIT_DIAGRAM_ISNUMVISUAL" val="0"/>
+  <p:tag name="KSO_WM_UNIT_DIAGRAM_ISREFERUNIT" val="0"/>
+  <p:tag name="KSO_WM_UNIT_ID" val="_3**"/>
+  <p:tag name="KSO_WM_UNIT_LAYERLEVEL" val="1"/>
+  <p:tag name="KSO_WM_TAG_VERSION" val="1.0"/>
+  <p:tag name="KSO_WM_BEAUTIFY_FLAG" val="#wm#"/>
+</p:tagLst>
+</file>
+
+<file path=ppt/tags/tag16.xml><?xml version="1.0" encoding="utf-8"?>
+<p:tagLst xmlns:p="http://schemas.openxmlformats.org/presentationml/2006/main">
+  <p:tag name="KSO_WM_UNIT_HIGHLIGHT" val="0"/>
+  <p:tag name="KSO_WM_UNIT_COMPATIBLE" val="0"/>
+  <p:tag name="KSO_WM_UNIT_DIAGRAM_ISNUMVISUAL" val="0"/>
+  <p:tag name="KSO_WM_UNIT_DIAGRAM_ISREFERUNIT" val="0"/>
+  <p:tag name="KSO_WM_UNIT_ID" val="_4**"/>
+  <p:tag name="KSO_WM_UNIT_LAYERLEVEL" val="1"/>
+  <p:tag name="KSO_WM_TAG_VERSION" val="1.0"/>
+  <p:tag name="KSO_WM_BEAUTIFY_FLAG" val="#wm#"/>
+</p:tagLst>
+</file>
+
+<file path=ppt/tags/tag17.xml><?xml version="1.0" encoding="utf-8"?>
+<p:tagLst xmlns:p="http://schemas.openxmlformats.org/presentationml/2006/main">
+  <p:tag name="KSO_WM_UNIT_HIGHLIGHT" val="0"/>
+  <p:tag name="KSO_WM_UNIT_COMPATIBLE" val="0"/>
+  <p:tag name="KSO_WM_UNIT_DIAGRAM_ISNUMVISUAL" val="0"/>
+  <p:tag name="KSO_WM_UNIT_DIAGRAM_ISREFERUNIT" val="0"/>
+  <p:tag name="KSO_WM_UNIT_ID" val="_4**"/>
+  <p:tag name="KSO_WM_UNIT_LAYERLEVEL" val="1"/>
+  <p:tag name="KSO_WM_TAG_VERSION" val="1.0"/>
+  <p:tag name="KSO_WM_BEAUTIFY_FLAG" val="#wm#"/>
+</p:tagLst>
+</file>
+
+<file path=ppt/tags/tag18.xml><?xml version="1.0" encoding="utf-8"?>
+<p:tagLst xmlns:p="http://schemas.openxmlformats.org/presentationml/2006/main">
+  <p:tag name="KSO_WM_UNIT_HIGHLIGHT" val="0"/>
+  <p:tag name="KSO_WM_UNIT_COMPATIBLE" val="0"/>
+  <p:tag name="KSO_WM_UNIT_DIAGRAM_ISNUMVISUAL" val="0"/>
+  <p:tag name="KSO_WM_UNIT_DIAGRAM_ISREFERUNIT" val="0"/>
+  <p:tag name="KSO_WM_UNIT_ID" val="_4**"/>
+  <p:tag name="KSO_WM_UNIT_LAYERLEVEL" val="1"/>
+  <p:tag name="KSO_WM_TAG_VERSION" val="1.0"/>
+  <p:tag name="KSO_WM_BEAUTIFY_FLAG" val="#wm#"/>
+</p:tagLst>
+</file>
+
+<file path=ppt/tags/tag19.xml><?xml version="1.0" encoding="utf-8"?>
+<p:tagLst xmlns:p="http://schemas.openxmlformats.org/presentationml/2006/main">
+  <p:tag name="KSO_WM_UNIT_HIGHLIGHT" val="0"/>
+  <p:tag name="KSO_WM_UNIT_COMPATIBLE" val="0"/>
+  <p:tag name="KSO_WM_UNIT_DIAGRAM_ISNUMVISUAL" val="0"/>
+  <p:tag name="KSO_WM_UNIT_DIAGRAM_ISREFERUNIT" val="0"/>
+  <p:tag name="KSO_WM_UNIT_ID" val="_4**"/>
+  <p:tag name="KSO_WM_UNIT_LAYERLEVEL" val="1"/>
+  <p:tag name="KSO_WM_TAG_VERSION" val="1.0"/>
+  <p:tag name="KSO_WM_BEAUTIFY_FLAG" val="#wm#"/>
+</p:tagLst>
+</file>
+
+<file path=ppt/tags/tag2.xml><?xml version="1.0" encoding="utf-8"?>
+<p:tagLst xmlns:p="http://schemas.openxmlformats.org/presentationml/2006/main">
   <p:tag name="KSO_WM_UNIT_HIGHLIGHT" val="0"/>
   <p:tag name="KSO_WM_UNIT_COMPATIBLE" val="0"/>
   <p:tag name="KSO_WM_UNIT_DIAGRAM_ISNUMVISUAL" val="0"/>
@@ -15648,165 +16061,8 @@
 </p:tagLst>
 </file>
 
-<file path=ppt/tags/tag12.xml><?xml version="1.0" encoding="utf-8"?>
-<p:tagLst xmlns:a="http://schemas.openxmlformats.org/drawingml/2006/main" xmlns:r="http://schemas.openxmlformats.org/officeDocument/2006/relationships" xmlns:p="http://schemas.openxmlformats.org/presentationml/2006/main">
-  <p:tag name="KSO_WM_UNIT_HIGHLIGHT" val="0"/>
-  <p:tag name="KSO_WM_UNIT_COMPATIBLE" val="0"/>
-  <p:tag name="KSO_WM_UNIT_DIAGRAM_ISNUMVISUAL" val="0"/>
-  <p:tag name="KSO_WM_UNIT_DIAGRAM_ISREFERUNIT" val="0"/>
-  <p:tag name="KSO_WM_UNIT_ID" val="_1**"/>
-  <p:tag name="KSO_WM_UNIT_LAYERLEVEL" val="1"/>
-  <p:tag name="KSO_WM_TAG_VERSION" val="1.0"/>
-  <p:tag name="KSO_WM_BEAUTIFY_FLAG" val="#wm#"/>
-</p:tagLst>
-</file>
-
-<file path=ppt/tags/tag13.xml><?xml version="1.0" encoding="utf-8"?>
-<p:tagLst xmlns:a="http://schemas.openxmlformats.org/drawingml/2006/main" xmlns:r="http://schemas.openxmlformats.org/officeDocument/2006/relationships" xmlns:p="http://schemas.openxmlformats.org/presentationml/2006/main">
-  <p:tag name="KSO_WM_UNIT_HIGHLIGHT" val="0"/>
-  <p:tag name="KSO_WM_UNIT_COMPATIBLE" val="0"/>
-  <p:tag name="KSO_WM_UNIT_DIAGRAM_ISNUMVISUAL" val="0"/>
-  <p:tag name="KSO_WM_UNIT_DIAGRAM_ISREFERUNIT" val="0"/>
-  <p:tag name="KSO_WM_UNIT_ID" val="_2**"/>
-  <p:tag name="KSO_WM_UNIT_LAYERLEVEL" val="1"/>
-  <p:tag name="KSO_WM_TAG_VERSION" val="1.0"/>
-  <p:tag name="KSO_WM_BEAUTIFY_FLAG" val="#wm#"/>
-</p:tagLst>
-</file>
-
-<file path=ppt/tags/tag14.xml><?xml version="1.0" encoding="utf-8"?>
-<p:tagLst xmlns:a="http://schemas.openxmlformats.org/drawingml/2006/main" xmlns:r="http://schemas.openxmlformats.org/officeDocument/2006/relationships" xmlns:p="http://schemas.openxmlformats.org/presentationml/2006/main">
-  <p:tag name="KSO_WM_UNIT_HIGHLIGHT" val="0"/>
-  <p:tag name="KSO_WM_UNIT_COMPATIBLE" val="0"/>
-  <p:tag name="KSO_WM_UNIT_DIAGRAM_ISNUMVISUAL" val="0"/>
-  <p:tag name="KSO_WM_UNIT_DIAGRAM_ISREFERUNIT" val="0"/>
-  <p:tag name="KSO_WM_UNIT_ID" val="_2**"/>
-  <p:tag name="KSO_WM_UNIT_LAYERLEVEL" val="1"/>
-  <p:tag name="KSO_WM_TAG_VERSION" val="1.0"/>
-  <p:tag name="KSO_WM_BEAUTIFY_FLAG" val="#wm#"/>
-</p:tagLst>
-</file>
-
-<file path=ppt/tags/tag15.xml><?xml version="1.0" encoding="utf-8"?>
-<p:tagLst xmlns:a="http://schemas.openxmlformats.org/drawingml/2006/main" xmlns:r="http://schemas.openxmlformats.org/officeDocument/2006/relationships" xmlns:p="http://schemas.openxmlformats.org/presentationml/2006/main">
-  <p:tag name="KSO_WM_UNIT_HIGHLIGHT" val="0"/>
-  <p:tag name="KSO_WM_UNIT_COMPATIBLE" val="0"/>
-  <p:tag name="KSO_WM_UNIT_DIAGRAM_ISNUMVISUAL" val="0"/>
-  <p:tag name="KSO_WM_UNIT_DIAGRAM_ISREFERUNIT" val="0"/>
-  <p:tag name="KSO_WM_UNIT_ID" val="_2**"/>
-  <p:tag name="KSO_WM_UNIT_LAYERLEVEL" val="1"/>
-  <p:tag name="KSO_WM_TAG_VERSION" val="1.0"/>
-  <p:tag name="KSO_WM_BEAUTIFY_FLAG" val="#wm#"/>
-</p:tagLst>
-</file>
-
-<file path=ppt/tags/tag16.xml><?xml version="1.0" encoding="utf-8"?>
-<p:tagLst xmlns:a="http://schemas.openxmlformats.org/drawingml/2006/main" xmlns:r="http://schemas.openxmlformats.org/officeDocument/2006/relationships" xmlns:p="http://schemas.openxmlformats.org/presentationml/2006/main">
-  <p:tag name="KSO_WM_UNIT_HIGHLIGHT" val="0"/>
-  <p:tag name="KSO_WM_UNIT_COMPATIBLE" val="0"/>
-  <p:tag name="KSO_WM_UNIT_DIAGRAM_ISNUMVISUAL" val="0"/>
-  <p:tag name="KSO_WM_UNIT_DIAGRAM_ISREFERUNIT" val="0"/>
-  <p:tag name="KSO_WM_UNIT_ID" val="_2**"/>
-  <p:tag name="KSO_WM_UNIT_LAYERLEVEL" val="1"/>
-  <p:tag name="KSO_WM_TAG_VERSION" val="1.0"/>
-  <p:tag name="KSO_WM_BEAUTIFY_FLAG" val="#wm#"/>
-</p:tagLst>
-</file>
-
-<file path=ppt/tags/tag17.xml><?xml version="1.0" encoding="utf-8"?>
-<p:tagLst xmlns:a="http://schemas.openxmlformats.org/drawingml/2006/main" xmlns:r="http://schemas.openxmlformats.org/officeDocument/2006/relationships" xmlns:p="http://schemas.openxmlformats.org/presentationml/2006/main">
-  <p:tag name="KSO_WM_UNIT_HIGHLIGHT" val="0"/>
-  <p:tag name="KSO_WM_UNIT_COMPATIBLE" val="0"/>
-  <p:tag name="KSO_WM_UNIT_DIAGRAM_ISNUMVISUAL" val="0"/>
-  <p:tag name="KSO_WM_UNIT_DIAGRAM_ISREFERUNIT" val="0"/>
-  <p:tag name="KSO_WM_UNIT_ID" val="_2**"/>
-  <p:tag name="KSO_WM_UNIT_LAYERLEVEL" val="1"/>
-  <p:tag name="KSO_WM_TAG_VERSION" val="1.0"/>
-  <p:tag name="KSO_WM_BEAUTIFY_FLAG" val="#wm#"/>
-</p:tagLst>
-</file>
-
-<file path=ppt/tags/tag18.xml><?xml version="1.0" encoding="utf-8"?>
-<p:tagLst xmlns:a="http://schemas.openxmlformats.org/drawingml/2006/main" xmlns:r="http://schemas.openxmlformats.org/officeDocument/2006/relationships" xmlns:p="http://schemas.openxmlformats.org/presentationml/2006/main">
-  <p:tag name="KSO_WM_UNIT_HIGHLIGHT" val="0"/>
-  <p:tag name="KSO_WM_UNIT_COMPATIBLE" val="0"/>
-  <p:tag name="KSO_WM_UNIT_DIAGRAM_ISNUMVISUAL" val="0"/>
-  <p:tag name="KSO_WM_UNIT_DIAGRAM_ISREFERUNIT" val="0"/>
-  <p:tag name="KSO_WM_UNIT_ID" val="_3**"/>
-  <p:tag name="KSO_WM_UNIT_LAYERLEVEL" val="1"/>
-  <p:tag name="KSO_WM_TAG_VERSION" val="1.0"/>
-  <p:tag name="KSO_WM_BEAUTIFY_FLAG" val="#wm#"/>
-</p:tagLst>
-</file>
-
-<file path=ppt/tags/tag19.xml><?xml version="1.0" encoding="utf-8"?>
-<p:tagLst xmlns:a="http://schemas.openxmlformats.org/drawingml/2006/main" xmlns:r="http://schemas.openxmlformats.org/officeDocument/2006/relationships" xmlns:p="http://schemas.openxmlformats.org/presentationml/2006/main">
-  <p:tag name="KSO_WM_UNIT_HIGHLIGHT" val="0"/>
-  <p:tag name="KSO_WM_UNIT_COMPATIBLE" val="0"/>
-  <p:tag name="KSO_WM_UNIT_DIAGRAM_ISNUMVISUAL" val="0"/>
-  <p:tag name="KSO_WM_UNIT_DIAGRAM_ISREFERUNIT" val="0"/>
-  <p:tag name="KSO_WM_UNIT_ID" val="_3**"/>
-  <p:tag name="KSO_WM_UNIT_LAYERLEVEL" val="1"/>
-  <p:tag name="KSO_WM_TAG_VERSION" val="1.0"/>
-  <p:tag name="KSO_WM_BEAUTIFY_FLAG" val="#wm#"/>
-</p:tagLst>
-</file>
-
-<file path=ppt/tags/tag2.xml><?xml version="1.0" encoding="utf-8"?>
-<p:tagLst xmlns:a="http://schemas.openxmlformats.org/drawingml/2006/main" xmlns:r="http://schemas.openxmlformats.org/officeDocument/2006/relationships" xmlns:p="http://schemas.openxmlformats.org/presentationml/2006/main">
-  <p:tag name="KSO_WM_TEMPLATE_THUMBS_INDEX" val="1、4、7、12、13、14、15、16、17、18、20、24、25、28、33、36、40、43、44"/>
-  <p:tag name="KSO_WM_TEMPLATE_SUBCATEGORY" val="19"/>
-  <p:tag name="KSO_WM_TAG_VERSION" val="1.0"/>
-  <p:tag name="KSO_WM_BEAUTIFY_FLAG" val="#wm#"/>
-  <p:tag name="KSO_WM_TEMPLATE_CATEGORY" val="custom"/>
-  <p:tag name="KSO_WM_TEMPLATE_INDEX" val="20205081"/>
-  <p:tag name="KSO_WM_TEMPLATE_MASTER_TYPE" val="0"/>
-  <p:tag name="KSO_WM_TEMPLATE_COLOR_TYPE" val="1"/>
-  <p:tag name="KSO_WM_UNIT_SHOW_EDIT_AREA_INDICATION" val="1"/>
-</p:tagLst>
-</file>
-
 <file path=ppt/tags/tag20.xml><?xml version="1.0" encoding="utf-8"?>
-<p:tagLst xmlns:a="http://schemas.openxmlformats.org/drawingml/2006/main" xmlns:r="http://schemas.openxmlformats.org/officeDocument/2006/relationships" xmlns:p="http://schemas.openxmlformats.org/presentationml/2006/main">
-  <p:tag name="KSO_WM_UNIT_HIGHLIGHT" val="0"/>
-  <p:tag name="KSO_WM_UNIT_COMPATIBLE" val="0"/>
-  <p:tag name="KSO_WM_UNIT_DIAGRAM_ISNUMVISUAL" val="0"/>
-  <p:tag name="KSO_WM_UNIT_DIAGRAM_ISREFERUNIT" val="0"/>
-  <p:tag name="KSO_WM_UNIT_ID" val="_3**"/>
-  <p:tag name="KSO_WM_UNIT_LAYERLEVEL" val="1"/>
-  <p:tag name="KSO_WM_TAG_VERSION" val="1.0"/>
-  <p:tag name="KSO_WM_BEAUTIFY_FLAG" val="#wm#"/>
-</p:tagLst>
-</file>
-
-<file path=ppt/tags/tag21.xml><?xml version="1.0" encoding="utf-8"?>
-<p:tagLst xmlns:a="http://schemas.openxmlformats.org/drawingml/2006/main" xmlns:r="http://schemas.openxmlformats.org/officeDocument/2006/relationships" xmlns:p="http://schemas.openxmlformats.org/presentationml/2006/main">
-  <p:tag name="KSO_WM_UNIT_HIGHLIGHT" val="0"/>
-  <p:tag name="KSO_WM_UNIT_COMPATIBLE" val="0"/>
-  <p:tag name="KSO_WM_UNIT_DIAGRAM_ISNUMVISUAL" val="0"/>
-  <p:tag name="KSO_WM_UNIT_DIAGRAM_ISREFERUNIT" val="0"/>
-  <p:tag name="KSO_WM_UNIT_ID" val="_3**"/>
-  <p:tag name="KSO_WM_UNIT_LAYERLEVEL" val="1"/>
-  <p:tag name="KSO_WM_TAG_VERSION" val="1.0"/>
-  <p:tag name="KSO_WM_BEAUTIFY_FLAG" val="#wm#"/>
-</p:tagLst>
-</file>
-
-<file path=ppt/tags/tag22.xml><?xml version="1.0" encoding="utf-8"?>
-<p:tagLst xmlns:a="http://schemas.openxmlformats.org/drawingml/2006/main" xmlns:r="http://schemas.openxmlformats.org/officeDocument/2006/relationships" xmlns:p="http://schemas.openxmlformats.org/presentationml/2006/main">
-  <p:tag name="KSO_WM_UNIT_HIGHLIGHT" val="0"/>
-  <p:tag name="KSO_WM_UNIT_COMPATIBLE" val="0"/>
-  <p:tag name="KSO_WM_UNIT_DIAGRAM_ISNUMVISUAL" val="0"/>
-  <p:tag name="KSO_WM_UNIT_DIAGRAM_ISREFERUNIT" val="0"/>
-  <p:tag name="KSO_WM_UNIT_ID" val="_3**"/>
-  <p:tag name="KSO_WM_UNIT_LAYERLEVEL" val="1"/>
-  <p:tag name="KSO_WM_TAG_VERSION" val="1.0"/>
-  <p:tag name="KSO_WM_BEAUTIFY_FLAG" val="#wm#"/>
-</p:tagLst>
-</file>
-
-<file path=ppt/tags/tag23.xml><?xml version="1.0" encoding="utf-8"?>
-<p:tagLst xmlns:a="http://schemas.openxmlformats.org/drawingml/2006/main" xmlns:r="http://schemas.openxmlformats.org/officeDocument/2006/relationships" xmlns:p="http://schemas.openxmlformats.org/presentationml/2006/main">
+<p:tagLst xmlns:p="http://schemas.openxmlformats.org/presentationml/2006/main">
   <p:tag name="KSO_WM_UNIT_HIGHLIGHT" val="0"/>
   <p:tag name="KSO_WM_UNIT_COMPATIBLE" val="0"/>
   <p:tag name="KSO_WM_UNIT_DIAGRAM_ISNUMVISUAL" val="0"/>
@@ -15818,8 +16074,8 @@
 </p:tagLst>
 </file>
 
-<file path=ppt/tags/tag24.xml><?xml version="1.0" encoding="utf-8"?>
-<p:tagLst xmlns:a="http://schemas.openxmlformats.org/drawingml/2006/main" xmlns:r="http://schemas.openxmlformats.org/officeDocument/2006/relationships" xmlns:p="http://schemas.openxmlformats.org/presentationml/2006/main">
+<file path=ppt/tags/tag21.xml><?xml version="1.0" encoding="utf-8"?>
+<p:tagLst xmlns:p="http://schemas.openxmlformats.org/presentationml/2006/main">
   <p:tag name="KSO_WM_UNIT_HIGHLIGHT" val="0"/>
   <p:tag name="KSO_WM_UNIT_COMPATIBLE" val="0"/>
   <p:tag name="KSO_WM_UNIT_DIAGRAM_ISNUMVISUAL" val="0"/>
@@ -15831,13 +16087,52 @@
 </p:tagLst>
 </file>
 
-<file path=ppt/tags/tag25.xml><?xml version="1.0" encoding="utf-8"?>
-<p:tagLst xmlns:a="http://schemas.openxmlformats.org/drawingml/2006/main" xmlns:r="http://schemas.openxmlformats.org/officeDocument/2006/relationships" xmlns:p="http://schemas.openxmlformats.org/presentationml/2006/main">
+<file path=ppt/tags/tag22.xml><?xml version="1.0" encoding="utf-8"?>
+<p:tagLst xmlns:p="http://schemas.openxmlformats.org/presentationml/2006/main">
   <p:tag name="KSO_WM_UNIT_HIGHLIGHT" val="0"/>
   <p:tag name="KSO_WM_UNIT_COMPATIBLE" val="0"/>
   <p:tag name="KSO_WM_UNIT_DIAGRAM_ISNUMVISUAL" val="0"/>
   <p:tag name="KSO_WM_UNIT_DIAGRAM_ISREFERUNIT" val="0"/>
-  <p:tag name="KSO_WM_UNIT_ID" val="_4**"/>
+  <p:tag name="KSO_WM_UNIT_ID" val="_5**"/>
+  <p:tag name="KSO_WM_UNIT_LAYERLEVEL" val="1"/>
+  <p:tag name="KSO_WM_TAG_VERSION" val="1.0"/>
+  <p:tag name="KSO_WM_BEAUTIFY_FLAG" val="#wm#"/>
+</p:tagLst>
+</file>
+
+<file path=ppt/tags/tag23.xml><?xml version="1.0" encoding="utf-8"?>
+<p:tagLst xmlns:p="http://schemas.openxmlformats.org/presentationml/2006/main">
+  <p:tag name="KSO_WM_UNIT_HIGHLIGHT" val="0"/>
+  <p:tag name="KSO_WM_UNIT_COMPATIBLE" val="0"/>
+  <p:tag name="KSO_WM_UNIT_DIAGRAM_ISNUMVISUAL" val="0"/>
+  <p:tag name="KSO_WM_UNIT_DIAGRAM_ISREFERUNIT" val="0"/>
+  <p:tag name="KSO_WM_UNIT_ID" val="_5**"/>
+  <p:tag name="KSO_WM_UNIT_LAYERLEVEL" val="1"/>
+  <p:tag name="KSO_WM_TAG_VERSION" val="1.0"/>
+  <p:tag name="KSO_WM_BEAUTIFY_FLAG" val="#wm#"/>
+</p:tagLst>
+</file>
+
+<file path=ppt/tags/tag24.xml><?xml version="1.0" encoding="utf-8"?>
+<p:tagLst xmlns:p="http://schemas.openxmlformats.org/presentationml/2006/main">
+  <p:tag name="KSO_WM_UNIT_HIGHLIGHT" val="0"/>
+  <p:tag name="KSO_WM_UNIT_COMPATIBLE" val="0"/>
+  <p:tag name="KSO_WM_UNIT_DIAGRAM_ISNUMVISUAL" val="0"/>
+  <p:tag name="KSO_WM_UNIT_DIAGRAM_ISREFERUNIT" val="0"/>
+  <p:tag name="KSO_WM_UNIT_ID" val="_5**"/>
+  <p:tag name="KSO_WM_UNIT_LAYERLEVEL" val="1"/>
+  <p:tag name="KSO_WM_TAG_VERSION" val="1.0"/>
+  <p:tag name="KSO_WM_BEAUTIFY_FLAG" val="#wm#"/>
+</p:tagLst>
+</file>
+
+<file path=ppt/tags/tag25.xml><?xml version="1.0" encoding="utf-8"?>
+<p:tagLst xmlns:p="http://schemas.openxmlformats.org/presentationml/2006/main">
+  <p:tag name="KSO_WM_UNIT_HIGHLIGHT" val="0"/>
+  <p:tag name="KSO_WM_UNIT_COMPATIBLE" val="0"/>
+  <p:tag name="KSO_WM_UNIT_DIAGRAM_ISNUMVISUAL" val="0"/>
+  <p:tag name="KSO_WM_UNIT_DIAGRAM_ISREFERUNIT" val="0"/>
+  <p:tag name="KSO_WM_UNIT_ID" val="_5**"/>
   <p:tag name="KSO_WM_UNIT_LAYERLEVEL" val="1"/>
   <p:tag name="KSO_WM_TAG_VERSION" val="1.0"/>
   <p:tag name="KSO_WM_BEAUTIFY_FLAG" val="#wm#"/>
@@ -15845,12 +16140,12 @@
 </file>
 
 <file path=ppt/tags/tag26.xml><?xml version="1.0" encoding="utf-8"?>
-<p:tagLst xmlns:a="http://schemas.openxmlformats.org/drawingml/2006/main" xmlns:r="http://schemas.openxmlformats.org/officeDocument/2006/relationships" xmlns:p="http://schemas.openxmlformats.org/presentationml/2006/main">
+<p:tagLst xmlns:p="http://schemas.openxmlformats.org/presentationml/2006/main">
   <p:tag name="KSO_WM_UNIT_HIGHLIGHT" val="0"/>
   <p:tag name="KSO_WM_UNIT_COMPATIBLE" val="0"/>
   <p:tag name="KSO_WM_UNIT_DIAGRAM_ISNUMVISUAL" val="0"/>
   <p:tag name="KSO_WM_UNIT_DIAGRAM_ISREFERUNIT" val="0"/>
-  <p:tag name="KSO_WM_UNIT_ID" val="_4**"/>
+  <p:tag name="KSO_WM_UNIT_ID" val="_5**"/>
   <p:tag name="KSO_WM_UNIT_LAYERLEVEL" val="1"/>
   <p:tag name="KSO_WM_TAG_VERSION" val="1.0"/>
   <p:tag name="KSO_WM_BEAUTIFY_FLAG" val="#wm#"/>
@@ -15858,12 +16153,12 @@
 </file>
 
 <file path=ppt/tags/tag27.xml><?xml version="1.0" encoding="utf-8"?>
-<p:tagLst xmlns:a="http://schemas.openxmlformats.org/drawingml/2006/main" xmlns:r="http://schemas.openxmlformats.org/officeDocument/2006/relationships" xmlns:p="http://schemas.openxmlformats.org/presentationml/2006/main">
+<p:tagLst xmlns:p="http://schemas.openxmlformats.org/presentationml/2006/main">
   <p:tag name="KSO_WM_UNIT_HIGHLIGHT" val="0"/>
   <p:tag name="KSO_WM_UNIT_COMPATIBLE" val="0"/>
   <p:tag name="KSO_WM_UNIT_DIAGRAM_ISNUMVISUAL" val="0"/>
   <p:tag name="KSO_WM_UNIT_DIAGRAM_ISREFERUNIT" val="0"/>
-  <p:tag name="KSO_WM_UNIT_ID" val="_4**"/>
+  <p:tag name="KSO_WM_UNIT_ID" val="_5**"/>
   <p:tag name="KSO_WM_UNIT_LAYERLEVEL" val="1"/>
   <p:tag name="KSO_WM_TAG_VERSION" val="1.0"/>
   <p:tag name="KSO_WM_BEAUTIFY_FLAG" val="#wm#"/>
@@ -15871,12 +16166,12 @@
 </file>
 
 <file path=ppt/tags/tag28.xml><?xml version="1.0" encoding="utf-8"?>
-<p:tagLst xmlns:a="http://schemas.openxmlformats.org/drawingml/2006/main" xmlns:r="http://schemas.openxmlformats.org/officeDocument/2006/relationships" xmlns:p="http://schemas.openxmlformats.org/presentationml/2006/main">
+<p:tagLst xmlns:p="http://schemas.openxmlformats.org/presentationml/2006/main">
   <p:tag name="KSO_WM_UNIT_HIGHLIGHT" val="0"/>
   <p:tag name="KSO_WM_UNIT_COMPATIBLE" val="0"/>
   <p:tag name="KSO_WM_UNIT_DIAGRAM_ISNUMVISUAL" val="0"/>
   <p:tag name="KSO_WM_UNIT_DIAGRAM_ISREFERUNIT" val="0"/>
-  <p:tag name="KSO_WM_UNIT_ID" val="_4**"/>
+  <p:tag name="KSO_WM_UNIT_ID" val="_5**"/>
   <p:tag name="KSO_WM_UNIT_LAYERLEVEL" val="1"/>
   <p:tag name="KSO_WM_TAG_VERSION" val="1.0"/>
   <p:tag name="KSO_WM_BEAUTIFY_FLAG" val="#wm#"/>
@@ -15884,7 +16179,7 @@
 </file>
 
 <file path=ppt/tags/tag29.xml><?xml version="1.0" encoding="utf-8"?>
-<p:tagLst xmlns:a="http://schemas.openxmlformats.org/drawingml/2006/main" xmlns:r="http://schemas.openxmlformats.org/officeDocument/2006/relationships" xmlns:p="http://schemas.openxmlformats.org/presentationml/2006/main">
+<p:tagLst xmlns:p="http://schemas.openxmlformats.org/presentationml/2006/main">
   <p:tag name="KSO_WM_UNIT_HIGHLIGHT" val="0"/>
   <p:tag name="KSO_WM_UNIT_COMPATIBLE" val="0"/>
   <p:tag name="KSO_WM_UNIT_DIAGRAM_ISNUMVISUAL" val="0"/>
@@ -15897,7 +16192,397 @@
 </file>
 
 <file path=ppt/tags/tag3.xml><?xml version="1.0" encoding="utf-8"?>
-<p:tagLst xmlns:a="http://schemas.openxmlformats.org/drawingml/2006/main" xmlns:r="http://schemas.openxmlformats.org/officeDocument/2006/relationships" xmlns:p="http://schemas.openxmlformats.org/presentationml/2006/main">
+<p:tagLst xmlns:p="http://schemas.openxmlformats.org/presentationml/2006/main">
+  <p:tag name="KSO_WM_UNIT_HIGHLIGHT" val="0"/>
+  <p:tag name="KSO_WM_UNIT_COMPATIBLE" val="0"/>
+  <p:tag name="KSO_WM_UNIT_DIAGRAM_ISNUMVISUAL" val="0"/>
+  <p:tag name="KSO_WM_UNIT_DIAGRAM_ISREFERUNIT" val="0"/>
+  <p:tag name="KSO_WM_UNIT_ID" val="_1**"/>
+  <p:tag name="KSO_WM_UNIT_LAYERLEVEL" val="1"/>
+  <p:tag name="KSO_WM_TAG_VERSION" val="1.0"/>
+  <p:tag name="KSO_WM_BEAUTIFY_FLAG" val="#wm#"/>
+</p:tagLst>
+</file>
+
+<file path=ppt/tags/tag30.xml><?xml version="1.0" encoding="utf-8"?>
+<p:tagLst xmlns:p="http://schemas.openxmlformats.org/presentationml/2006/main">
+  <p:tag name="KSO_WM_UNIT_HIGHLIGHT" val="0"/>
+  <p:tag name="KSO_WM_UNIT_COMPATIBLE" val="0"/>
+  <p:tag name="KSO_WM_UNIT_DIAGRAM_ISNUMVISUAL" val="0"/>
+  <p:tag name="KSO_WM_UNIT_DIAGRAM_ISREFERUNIT" val="0"/>
+  <p:tag name="KSO_WM_UNIT_ID" val="_6**"/>
+  <p:tag name="KSO_WM_UNIT_LAYERLEVEL" val="1"/>
+  <p:tag name="KSO_WM_TAG_VERSION" val="1.0"/>
+  <p:tag name="KSO_WM_BEAUTIFY_FLAG" val="#wm#"/>
+</p:tagLst>
+</file>
+
+<file path=ppt/tags/tag31.xml><?xml version="1.0" encoding="utf-8"?>
+<p:tagLst xmlns:p="http://schemas.openxmlformats.org/presentationml/2006/main">
+  <p:tag name="KSO_WM_UNIT_HIGHLIGHT" val="0"/>
+  <p:tag name="KSO_WM_UNIT_COMPATIBLE" val="0"/>
+  <p:tag name="KSO_WM_UNIT_DIAGRAM_ISNUMVISUAL" val="0"/>
+  <p:tag name="KSO_WM_UNIT_DIAGRAM_ISREFERUNIT" val="0"/>
+  <p:tag name="KSO_WM_UNIT_ID" val="_6**"/>
+  <p:tag name="KSO_WM_UNIT_LAYERLEVEL" val="1"/>
+  <p:tag name="KSO_WM_TAG_VERSION" val="1.0"/>
+  <p:tag name="KSO_WM_BEAUTIFY_FLAG" val="#wm#"/>
+</p:tagLst>
+</file>
+
+<file path=ppt/tags/tag32.xml><?xml version="1.0" encoding="utf-8"?>
+<p:tagLst xmlns:p="http://schemas.openxmlformats.org/presentationml/2006/main">
+  <p:tag name="KSO_WM_UNIT_HIGHLIGHT" val="0"/>
+  <p:tag name="KSO_WM_UNIT_COMPATIBLE" val="0"/>
+  <p:tag name="KSO_WM_UNIT_DIAGRAM_ISNUMVISUAL" val="0"/>
+  <p:tag name="KSO_WM_UNIT_DIAGRAM_ISREFERUNIT" val="0"/>
+  <p:tag name="KSO_WM_UNIT_ID" val="_6**"/>
+  <p:tag name="KSO_WM_UNIT_LAYERLEVEL" val="1"/>
+  <p:tag name="KSO_WM_TAG_VERSION" val="1.0"/>
+  <p:tag name="KSO_WM_BEAUTIFY_FLAG" val="#wm#"/>
+</p:tagLst>
+</file>
+
+<file path=ppt/tags/tag33.xml><?xml version="1.0" encoding="utf-8"?>
+<p:tagLst xmlns:p="http://schemas.openxmlformats.org/presentationml/2006/main">
+  <p:tag name="KSO_WM_UNIT_HIGHLIGHT" val="0"/>
+  <p:tag name="KSO_WM_UNIT_COMPATIBLE" val="0"/>
+  <p:tag name="KSO_WM_UNIT_DIAGRAM_ISNUMVISUAL" val="0"/>
+  <p:tag name="KSO_WM_UNIT_DIAGRAM_ISREFERUNIT" val="0"/>
+  <p:tag name="KSO_WM_UNIT_ID" val="_6**"/>
+  <p:tag name="KSO_WM_UNIT_LAYERLEVEL" val="1"/>
+  <p:tag name="KSO_WM_TAG_VERSION" val="1.0"/>
+  <p:tag name="KSO_WM_BEAUTIFY_FLAG" val="#wm#"/>
+</p:tagLst>
+</file>
+
+<file path=ppt/tags/tag34.xml><?xml version="1.0" encoding="utf-8"?>
+<p:tagLst xmlns:p="http://schemas.openxmlformats.org/presentationml/2006/main">
+  <p:tag name="KSO_WM_UNIT_HIGHLIGHT" val="0"/>
+  <p:tag name="KSO_WM_UNIT_COMPATIBLE" val="0"/>
+  <p:tag name="KSO_WM_UNIT_DIAGRAM_ISNUMVISUAL" val="0"/>
+  <p:tag name="KSO_WM_UNIT_DIAGRAM_ISREFERUNIT" val="0"/>
+  <p:tag name="KSO_WM_UNIT_ID" val="_7**"/>
+  <p:tag name="KSO_WM_UNIT_LAYERLEVEL" val="1"/>
+  <p:tag name="KSO_WM_TAG_VERSION" val="1.0"/>
+  <p:tag name="KSO_WM_BEAUTIFY_FLAG" val="#wm#"/>
+</p:tagLst>
+</file>
+
+<file path=ppt/tags/tag35.xml><?xml version="1.0" encoding="utf-8"?>
+<p:tagLst xmlns:p="http://schemas.openxmlformats.org/presentationml/2006/main">
+  <p:tag name="KSO_WM_UNIT_HIGHLIGHT" val="0"/>
+  <p:tag name="KSO_WM_UNIT_COMPATIBLE" val="0"/>
+  <p:tag name="KSO_WM_UNIT_DIAGRAM_ISNUMVISUAL" val="0"/>
+  <p:tag name="KSO_WM_UNIT_DIAGRAM_ISREFERUNIT" val="0"/>
+  <p:tag name="KSO_WM_UNIT_ID" val="_7**"/>
+  <p:tag name="KSO_WM_UNIT_LAYERLEVEL" val="1"/>
+  <p:tag name="KSO_WM_TAG_VERSION" val="1.0"/>
+  <p:tag name="KSO_WM_BEAUTIFY_FLAG" val="#wm#"/>
+</p:tagLst>
+</file>
+
+<file path=ppt/tags/tag36.xml><?xml version="1.0" encoding="utf-8"?>
+<p:tagLst xmlns:p="http://schemas.openxmlformats.org/presentationml/2006/main">
+  <p:tag name="KSO_WM_UNIT_HIGHLIGHT" val="0"/>
+  <p:tag name="KSO_WM_UNIT_COMPATIBLE" val="0"/>
+  <p:tag name="KSO_WM_UNIT_DIAGRAM_ISNUMVISUAL" val="0"/>
+  <p:tag name="KSO_WM_UNIT_DIAGRAM_ISREFERUNIT" val="0"/>
+  <p:tag name="KSO_WM_UNIT_ID" val="_7**"/>
+  <p:tag name="KSO_WM_UNIT_LAYERLEVEL" val="1"/>
+  <p:tag name="KSO_WM_TAG_VERSION" val="1.0"/>
+  <p:tag name="KSO_WM_BEAUTIFY_FLAG" val="#wm#"/>
+</p:tagLst>
+</file>
+
+<file path=ppt/tags/tag37.xml><?xml version="1.0" encoding="utf-8"?>
+<p:tagLst xmlns:p="http://schemas.openxmlformats.org/presentationml/2006/main">
+  <p:tag name="KSO_WM_UNIT_HIGHLIGHT" val="0"/>
+  <p:tag name="KSO_WM_UNIT_COMPATIBLE" val="0"/>
+  <p:tag name="KSO_WM_UNIT_DIAGRAM_ISNUMVISUAL" val="0"/>
+  <p:tag name="KSO_WM_UNIT_DIAGRAM_ISREFERUNIT" val="0"/>
+  <p:tag name="KSO_WM_UNIT_ID" val="_8**"/>
+  <p:tag name="KSO_WM_UNIT_LAYERLEVEL" val="1"/>
+  <p:tag name="KSO_WM_TAG_VERSION" val="1.0"/>
+  <p:tag name="KSO_WM_BEAUTIFY_FLAG" val="#wm#"/>
+</p:tagLst>
+</file>
+
+<file path=ppt/tags/tag38.xml><?xml version="1.0" encoding="utf-8"?>
+<p:tagLst xmlns:p="http://schemas.openxmlformats.org/presentationml/2006/main">
+  <p:tag name="KSO_WM_UNIT_HIGHLIGHT" val="0"/>
+  <p:tag name="KSO_WM_UNIT_COMPATIBLE" val="0"/>
+  <p:tag name="KSO_WM_UNIT_DIAGRAM_ISNUMVISUAL" val="0"/>
+  <p:tag name="KSO_WM_UNIT_DIAGRAM_ISREFERUNIT" val="0"/>
+  <p:tag name="KSO_WM_UNIT_ID" val="_8**"/>
+  <p:tag name="KSO_WM_UNIT_LAYERLEVEL" val="1"/>
+  <p:tag name="KSO_WM_TAG_VERSION" val="1.0"/>
+  <p:tag name="KSO_WM_BEAUTIFY_FLAG" val="#wm#"/>
+</p:tagLst>
+</file>
+
+<file path=ppt/tags/tag39.xml><?xml version="1.0" encoding="utf-8"?>
+<p:tagLst xmlns:p="http://schemas.openxmlformats.org/presentationml/2006/main">
+  <p:tag name="KSO_WM_UNIT_HIGHLIGHT" val="0"/>
+  <p:tag name="KSO_WM_UNIT_COMPATIBLE" val="0"/>
+  <p:tag name="KSO_WM_UNIT_DIAGRAM_ISNUMVISUAL" val="0"/>
+  <p:tag name="KSO_WM_UNIT_DIAGRAM_ISREFERUNIT" val="0"/>
+  <p:tag name="KSO_WM_UNIT_ID" val="_8**"/>
+  <p:tag name="KSO_WM_UNIT_LAYERLEVEL" val="1"/>
+  <p:tag name="KSO_WM_TAG_VERSION" val="1.0"/>
+  <p:tag name="KSO_WM_BEAUTIFY_FLAG" val="#wm#"/>
+</p:tagLst>
+</file>
+
+<file path=ppt/tags/tag4.xml><?xml version="1.0" encoding="utf-8"?>
+<p:tagLst xmlns:p="http://schemas.openxmlformats.org/presentationml/2006/main">
+  <p:tag name="KSO_WM_UNIT_HIGHLIGHT" val="0"/>
+  <p:tag name="KSO_WM_UNIT_COMPATIBLE" val="0"/>
+  <p:tag name="KSO_WM_UNIT_DIAGRAM_ISNUMVISUAL" val="0"/>
+  <p:tag name="KSO_WM_UNIT_DIAGRAM_ISREFERUNIT" val="0"/>
+  <p:tag name="KSO_WM_UNIT_ID" val="_1**"/>
+  <p:tag name="KSO_WM_UNIT_LAYERLEVEL" val="1"/>
+  <p:tag name="KSO_WM_TAG_VERSION" val="1.0"/>
+  <p:tag name="KSO_WM_BEAUTIFY_FLAG" val="#wm#"/>
+</p:tagLst>
+</file>
+
+<file path=ppt/tags/tag40.xml><?xml version="1.0" encoding="utf-8"?>
+<p:tagLst xmlns:p="http://schemas.openxmlformats.org/presentationml/2006/main">
+  <p:tag name="KSO_WM_UNIT_HIGHLIGHT" val="0"/>
+  <p:tag name="KSO_WM_UNIT_COMPATIBLE" val="0"/>
+  <p:tag name="KSO_WM_UNIT_DIAGRAM_ISNUMVISUAL" val="0"/>
+  <p:tag name="KSO_WM_UNIT_DIAGRAM_ISREFERUNIT" val="0"/>
+  <p:tag name="KSO_WM_UNIT_ID" val="_8**"/>
+  <p:tag name="KSO_WM_UNIT_LAYERLEVEL" val="1"/>
+  <p:tag name="KSO_WM_TAG_VERSION" val="1.0"/>
+  <p:tag name="KSO_WM_BEAUTIFY_FLAG" val="#wm#"/>
+</p:tagLst>
+</file>
+
+<file path=ppt/tags/tag41.xml><?xml version="1.0" encoding="utf-8"?>
+<p:tagLst xmlns:p="http://schemas.openxmlformats.org/presentationml/2006/main">
+  <p:tag name="KSO_WM_UNIT_HIGHLIGHT" val="0"/>
+  <p:tag name="KSO_WM_UNIT_COMPATIBLE" val="0"/>
+  <p:tag name="KSO_WM_UNIT_DIAGRAM_ISNUMVISUAL" val="0"/>
+  <p:tag name="KSO_WM_UNIT_DIAGRAM_ISREFERUNIT" val="0"/>
+  <p:tag name="KSO_WM_UNIT_ID" val="_8**"/>
+  <p:tag name="KSO_WM_UNIT_LAYERLEVEL" val="1"/>
+  <p:tag name="KSO_WM_TAG_VERSION" val="1.0"/>
+  <p:tag name="KSO_WM_BEAUTIFY_FLAG" val="#wm#"/>
+</p:tagLst>
+</file>
+
+<file path=ppt/tags/tag42.xml><?xml version="1.0" encoding="utf-8"?>
+<p:tagLst xmlns:p="http://schemas.openxmlformats.org/presentationml/2006/main">
+  <p:tag name="KSO_WM_UNIT_HIGHLIGHT" val="0"/>
+  <p:tag name="KSO_WM_UNIT_COMPATIBLE" val="0"/>
+  <p:tag name="KSO_WM_UNIT_DIAGRAM_ISNUMVISUAL" val="0"/>
+  <p:tag name="KSO_WM_UNIT_DIAGRAM_ISREFERUNIT" val="0"/>
+  <p:tag name="KSO_WM_UNIT_ID" val="_8**"/>
+  <p:tag name="KSO_WM_UNIT_LAYERLEVEL" val="1"/>
+  <p:tag name="KSO_WM_TAG_VERSION" val="1.0"/>
+  <p:tag name="KSO_WM_BEAUTIFY_FLAG" val="#wm#"/>
+</p:tagLst>
+</file>
+
+<file path=ppt/tags/tag43.xml><?xml version="1.0" encoding="utf-8"?>
+<p:tagLst xmlns:p="http://schemas.openxmlformats.org/presentationml/2006/main">
+  <p:tag name="KSO_WM_UNIT_HIGHLIGHT" val="0"/>
+  <p:tag name="KSO_WM_UNIT_COMPATIBLE" val="0"/>
+  <p:tag name="KSO_WM_UNIT_DIAGRAM_ISNUMVISUAL" val="0"/>
+  <p:tag name="KSO_WM_UNIT_DIAGRAM_ISREFERUNIT" val="0"/>
+  <p:tag name="KSO_WM_UNIT_ID" val="_9**"/>
+  <p:tag name="KSO_WM_UNIT_LAYERLEVEL" val="1"/>
+  <p:tag name="KSO_WM_TAG_VERSION" val="1.0"/>
+  <p:tag name="KSO_WM_BEAUTIFY_FLAG" val="#wm#"/>
+</p:tagLst>
+</file>
+
+<file path=ppt/tags/tag44.xml><?xml version="1.0" encoding="utf-8"?>
+<p:tagLst xmlns:p="http://schemas.openxmlformats.org/presentationml/2006/main">
+  <p:tag name="KSO_WM_UNIT_HIGHLIGHT" val="0"/>
+  <p:tag name="KSO_WM_UNIT_COMPATIBLE" val="0"/>
+  <p:tag name="KSO_WM_UNIT_DIAGRAM_ISNUMVISUAL" val="0"/>
+  <p:tag name="KSO_WM_UNIT_DIAGRAM_ISREFERUNIT" val="0"/>
+  <p:tag name="KSO_WM_UNIT_ID" val="_9**"/>
+  <p:tag name="KSO_WM_UNIT_LAYERLEVEL" val="1"/>
+  <p:tag name="KSO_WM_TAG_VERSION" val="1.0"/>
+  <p:tag name="KSO_WM_BEAUTIFY_FLAG" val="#wm#"/>
+</p:tagLst>
+</file>
+
+<file path=ppt/tags/tag45.xml><?xml version="1.0" encoding="utf-8"?>
+<p:tagLst xmlns:p="http://schemas.openxmlformats.org/presentationml/2006/main">
+  <p:tag name="KSO_WM_UNIT_HIGHLIGHT" val="0"/>
+  <p:tag name="KSO_WM_UNIT_COMPATIBLE" val="0"/>
+  <p:tag name="KSO_WM_UNIT_DIAGRAM_ISNUMVISUAL" val="0"/>
+  <p:tag name="KSO_WM_UNIT_DIAGRAM_ISREFERUNIT" val="0"/>
+  <p:tag name="KSO_WM_UNIT_ID" val="_9**"/>
+  <p:tag name="KSO_WM_UNIT_LAYERLEVEL" val="1"/>
+  <p:tag name="KSO_WM_TAG_VERSION" val="1.0"/>
+  <p:tag name="KSO_WM_BEAUTIFY_FLAG" val="#wm#"/>
+</p:tagLst>
+</file>
+
+<file path=ppt/tags/tag46.xml><?xml version="1.0" encoding="utf-8"?>
+<p:tagLst xmlns:p="http://schemas.openxmlformats.org/presentationml/2006/main">
+  <p:tag name="KSO_WM_UNIT_HIGHLIGHT" val="0"/>
+  <p:tag name="KSO_WM_UNIT_COMPATIBLE" val="0"/>
+  <p:tag name="KSO_WM_UNIT_DIAGRAM_ISNUMVISUAL" val="0"/>
+  <p:tag name="KSO_WM_UNIT_DIAGRAM_ISREFERUNIT" val="0"/>
+  <p:tag name="KSO_WM_UNIT_ID" val="_9**"/>
+  <p:tag name="KSO_WM_UNIT_LAYERLEVEL" val="1"/>
+  <p:tag name="KSO_WM_TAG_VERSION" val="1.0"/>
+  <p:tag name="KSO_WM_BEAUTIFY_FLAG" val="#wm#"/>
+</p:tagLst>
+</file>
+
+<file path=ppt/tags/tag47.xml><?xml version="1.0" encoding="utf-8"?>
+<p:tagLst xmlns:p="http://schemas.openxmlformats.org/presentationml/2006/main">
+  <p:tag name="KSO_WM_UNIT_HIGHLIGHT" val="0"/>
+  <p:tag name="KSO_WM_UNIT_COMPATIBLE" val="0"/>
+  <p:tag name="KSO_WM_UNIT_DIAGRAM_ISNUMVISUAL" val="0"/>
+  <p:tag name="KSO_WM_UNIT_DIAGRAM_ISREFERUNIT" val="0"/>
+  <p:tag name="KSO_WM_UNIT_ID" val="_9**"/>
+  <p:tag name="KSO_WM_UNIT_LAYERLEVEL" val="1"/>
+  <p:tag name="KSO_WM_TAG_VERSION" val="1.0"/>
+  <p:tag name="KSO_WM_BEAUTIFY_FLAG" val="#wm#"/>
+</p:tagLst>
+</file>
+
+<file path=ppt/tags/tag48.xml><?xml version="1.0" encoding="utf-8"?>
+<p:tagLst xmlns:p="http://schemas.openxmlformats.org/presentationml/2006/main">
+  <p:tag name="KSO_WM_UNIT_HIGHLIGHT" val="0"/>
+  <p:tag name="KSO_WM_UNIT_COMPATIBLE" val="0"/>
+  <p:tag name="KSO_WM_UNIT_DIAGRAM_ISNUMVISUAL" val="0"/>
+  <p:tag name="KSO_WM_UNIT_DIAGRAM_ISREFERUNIT" val="0"/>
+  <p:tag name="KSO_WM_UNIT_ID" val="_10**"/>
+  <p:tag name="KSO_WM_UNIT_LAYERLEVEL" val="1"/>
+  <p:tag name="KSO_WM_TAG_VERSION" val="1.0"/>
+  <p:tag name="KSO_WM_BEAUTIFY_FLAG" val="#wm#"/>
+</p:tagLst>
+</file>
+
+<file path=ppt/tags/tag49.xml><?xml version="1.0" encoding="utf-8"?>
+<p:tagLst xmlns:p="http://schemas.openxmlformats.org/presentationml/2006/main">
+  <p:tag name="KSO_WM_UNIT_HIGHLIGHT" val="0"/>
+  <p:tag name="KSO_WM_UNIT_COMPATIBLE" val="0"/>
+  <p:tag name="KSO_WM_UNIT_DIAGRAM_ISNUMVISUAL" val="0"/>
+  <p:tag name="KSO_WM_UNIT_DIAGRAM_ISREFERUNIT" val="0"/>
+  <p:tag name="KSO_WM_UNIT_ID" val="_10**"/>
+  <p:tag name="KSO_WM_UNIT_LAYERLEVEL" val="1"/>
+  <p:tag name="KSO_WM_TAG_VERSION" val="1.0"/>
+  <p:tag name="KSO_WM_BEAUTIFY_FLAG" val="#wm#"/>
+</p:tagLst>
+</file>
+
+<file path=ppt/tags/tag5.xml><?xml version="1.0" encoding="utf-8"?>
+<p:tagLst xmlns:p="http://schemas.openxmlformats.org/presentationml/2006/main">
+  <p:tag name="KSO_WM_UNIT_HIGHLIGHT" val="0"/>
+  <p:tag name="KSO_WM_UNIT_COMPATIBLE" val="0"/>
+  <p:tag name="KSO_WM_UNIT_DIAGRAM_ISNUMVISUAL" val="0"/>
+  <p:tag name="KSO_WM_UNIT_DIAGRAM_ISREFERUNIT" val="0"/>
+  <p:tag name="KSO_WM_UNIT_ID" val="_1**"/>
+  <p:tag name="KSO_WM_UNIT_LAYERLEVEL" val="1"/>
+  <p:tag name="KSO_WM_TAG_VERSION" val="1.0"/>
+  <p:tag name="KSO_WM_BEAUTIFY_FLAG" val="#wm#"/>
+</p:tagLst>
+</file>
+
+<file path=ppt/tags/tag50.xml><?xml version="1.0" encoding="utf-8"?>
+<p:tagLst xmlns:p="http://schemas.openxmlformats.org/presentationml/2006/main">
+  <p:tag name="KSO_WM_UNIT_HIGHLIGHT" val="0"/>
+  <p:tag name="KSO_WM_UNIT_COMPATIBLE" val="0"/>
+  <p:tag name="KSO_WM_UNIT_DIAGRAM_ISNUMVISUAL" val="0"/>
+  <p:tag name="KSO_WM_UNIT_DIAGRAM_ISREFERUNIT" val="0"/>
+  <p:tag name="KSO_WM_UNIT_ID" val="_10**"/>
+  <p:tag name="KSO_WM_UNIT_LAYERLEVEL" val="1"/>
+  <p:tag name="KSO_WM_TAG_VERSION" val="1.0"/>
+  <p:tag name="KSO_WM_BEAUTIFY_FLAG" val="#wm#"/>
+</p:tagLst>
+</file>
+
+<file path=ppt/tags/tag51.xml><?xml version="1.0" encoding="utf-8"?>
+<p:tagLst xmlns:p="http://schemas.openxmlformats.org/presentationml/2006/main">
+  <p:tag name="KSO_WM_UNIT_HIGHLIGHT" val="0"/>
+  <p:tag name="KSO_WM_UNIT_COMPATIBLE" val="0"/>
+  <p:tag name="KSO_WM_UNIT_DIAGRAM_ISNUMVISUAL" val="0"/>
+  <p:tag name="KSO_WM_UNIT_DIAGRAM_ISREFERUNIT" val="0"/>
+  <p:tag name="KSO_WM_UNIT_ID" val="_10**"/>
+  <p:tag name="KSO_WM_UNIT_LAYERLEVEL" val="1"/>
+  <p:tag name="KSO_WM_TAG_VERSION" val="1.0"/>
+  <p:tag name="KSO_WM_BEAUTIFY_FLAG" val="#wm#"/>
+</p:tagLst>
+</file>
+
+<file path=ppt/tags/tag52.xml><?xml version="1.0" encoding="utf-8"?>
+<p:tagLst xmlns:p="http://schemas.openxmlformats.org/presentationml/2006/main">
+  <p:tag name="KSO_WM_UNIT_HIGHLIGHT" val="0"/>
+  <p:tag name="KSO_WM_UNIT_COMPATIBLE" val="0"/>
+  <p:tag name="KSO_WM_UNIT_DIAGRAM_ISNUMVISUAL" val="0"/>
+  <p:tag name="KSO_WM_UNIT_DIAGRAM_ISREFERUNIT" val="0"/>
+  <p:tag name="KSO_WM_UNIT_ID" val="_11**"/>
+  <p:tag name="KSO_WM_UNIT_LAYERLEVEL" val="1"/>
+  <p:tag name="KSO_WM_TAG_VERSION" val="1.0"/>
+  <p:tag name="KSO_WM_BEAUTIFY_FLAG" val="#wm#"/>
+</p:tagLst>
+</file>
+
+<file path=ppt/tags/tag53.xml><?xml version="1.0" encoding="utf-8"?>
+<p:tagLst xmlns:p="http://schemas.openxmlformats.org/presentationml/2006/main">
+  <p:tag name="KSO_WM_UNIT_HIGHLIGHT" val="0"/>
+  <p:tag name="KSO_WM_UNIT_COMPATIBLE" val="0"/>
+  <p:tag name="KSO_WM_UNIT_DIAGRAM_ISNUMVISUAL" val="0"/>
+  <p:tag name="KSO_WM_UNIT_DIAGRAM_ISREFERUNIT" val="0"/>
+  <p:tag name="KSO_WM_UNIT_ID" val="_11**"/>
+  <p:tag name="KSO_WM_UNIT_LAYERLEVEL" val="1"/>
+  <p:tag name="KSO_WM_TAG_VERSION" val="1.0"/>
+  <p:tag name="KSO_WM_BEAUTIFY_FLAG" val="#wm#"/>
+</p:tagLst>
+</file>
+
+<file path=ppt/tags/tag54.xml><?xml version="1.0" encoding="utf-8"?>
+<p:tagLst xmlns:p="http://schemas.openxmlformats.org/presentationml/2006/main">
+  <p:tag name="KSO_WM_UNIT_HIGHLIGHT" val="0"/>
+  <p:tag name="KSO_WM_UNIT_COMPATIBLE" val="0"/>
+  <p:tag name="KSO_WM_UNIT_DIAGRAM_ISNUMVISUAL" val="0"/>
+  <p:tag name="KSO_WM_UNIT_DIAGRAM_ISREFERUNIT" val="0"/>
+  <p:tag name="KSO_WM_UNIT_ID" val="_11**"/>
+  <p:tag name="KSO_WM_UNIT_LAYERLEVEL" val="1"/>
+  <p:tag name="KSO_WM_TAG_VERSION" val="1.0"/>
+  <p:tag name="KSO_WM_BEAUTIFY_FLAG" val="#wm#"/>
+</p:tagLst>
+</file>
+
+<file path=ppt/tags/tag55.xml><?xml version="1.0" encoding="utf-8"?>
+<p:tagLst xmlns:p="http://schemas.openxmlformats.org/presentationml/2006/main">
+  <p:tag name="KSO_WM_UNIT_HIGHLIGHT" val="0"/>
+  <p:tag name="KSO_WM_UNIT_COMPATIBLE" val="0"/>
+  <p:tag name="KSO_WM_UNIT_DIAGRAM_ISNUMVISUAL" val="0"/>
+  <p:tag name="KSO_WM_UNIT_DIAGRAM_ISREFERUNIT" val="0"/>
+  <p:tag name="KSO_WM_UNIT_ID" val="_11**"/>
+  <p:tag name="KSO_WM_UNIT_LAYERLEVEL" val="1"/>
+  <p:tag name="KSO_WM_TAG_VERSION" val="1.0"/>
+  <p:tag name="KSO_WM_BEAUTIFY_FLAG" val="#wm#"/>
+</p:tagLst>
+</file>
+
+<file path=ppt/tags/tag56.xml><?xml version="1.0" encoding="utf-8"?>
+<p:tagLst xmlns:p="http://schemas.openxmlformats.org/presentationml/2006/main">
+  <p:tag name="KSO_WM_UNIT_HIGHLIGHT" val="0"/>
+  <p:tag name="KSO_WM_UNIT_COMPATIBLE" val="0"/>
+  <p:tag name="KSO_WM_UNIT_DIAGRAM_ISNUMVISUAL" val="0"/>
+  <p:tag name="KSO_WM_UNIT_DIAGRAM_ISREFERUNIT" val="0"/>
+  <p:tag name="KSO_WM_UNIT_ID" val="_11**"/>
+  <p:tag name="KSO_WM_UNIT_LAYERLEVEL" val="1"/>
+  <p:tag name="KSO_WM_TAG_VERSION" val="1.0"/>
+  <p:tag name="KSO_WM_BEAUTIFY_FLAG" val="#wm#"/>
+</p:tagLst>
+</file>
+
+<file path=ppt/tags/tag57.xml><?xml version="1.0" encoding="utf-8"?>
+<p:tagLst xmlns:p="http://schemas.openxmlformats.org/presentationml/2006/main">
   <p:tag name="KSO_WM_UNIT_HIGHLIGHT" val="0"/>
   <p:tag name="KSO_WM_UNIT_COMPATIBLE" val="0"/>
   <p:tag name="KSO_WM_UNIT_DIAGRAM_ISNUMVISUAL" val="0"/>
@@ -15911,138 +16596,8 @@
 </p:tagLst>
 </file>
 
-<file path=ppt/tags/tag30.xml><?xml version="1.0" encoding="utf-8"?>
-<p:tagLst xmlns:a="http://schemas.openxmlformats.org/drawingml/2006/main" xmlns:r="http://schemas.openxmlformats.org/officeDocument/2006/relationships" xmlns:p="http://schemas.openxmlformats.org/presentationml/2006/main">
-  <p:tag name="KSO_WM_UNIT_HIGHLIGHT" val="0"/>
-  <p:tag name="KSO_WM_UNIT_COMPATIBLE" val="0"/>
-  <p:tag name="KSO_WM_UNIT_DIAGRAM_ISNUMVISUAL" val="0"/>
-  <p:tag name="KSO_WM_UNIT_DIAGRAM_ISREFERUNIT" val="0"/>
-  <p:tag name="KSO_WM_UNIT_ID" val="_5**"/>
-  <p:tag name="KSO_WM_UNIT_LAYERLEVEL" val="1"/>
-  <p:tag name="KSO_WM_TAG_VERSION" val="1.0"/>
-  <p:tag name="KSO_WM_BEAUTIFY_FLAG" val="#wm#"/>
-</p:tagLst>
-</file>
-
-<file path=ppt/tags/tag31.xml><?xml version="1.0" encoding="utf-8"?>
-<p:tagLst xmlns:a="http://schemas.openxmlformats.org/drawingml/2006/main" xmlns:r="http://schemas.openxmlformats.org/officeDocument/2006/relationships" xmlns:p="http://schemas.openxmlformats.org/presentationml/2006/main">
-  <p:tag name="KSO_WM_UNIT_HIGHLIGHT" val="0"/>
-  <p:tag name="KSO_WM_UNIT_COMPATIBLE" val="0"/>
-  <p:tag name="KSO_WM_UNIT_DIAGRAM_ISNUMVISUAL" val="0"/>
-  <p:tag name="KSO_WM_UNIT_DIAGRAM_ISREFERUNIT" val="0"/>
-  <p:tag name="KSO_WM_UNIT_ID" val="_5**"/>
-  <p:tag name="KSO_WM_UNIT_LAYERLEVEL" val="1"/>
-  <p:tag name="KSO_WM_TAG_VERSION" val="1.0"/>
-  <p:tag name="KSO_WM_BEAUTIFY_FLAG" val="#wm#"/>
-</p:tagLst>
-</file>
-
-<file path=ppt/tags/tag32.xml><?xml version="1.0" encoding="utf-8"?>
-<p:tagLst xmlns:a="http://schemas.openxmlformats.org/drawingml/2006/main" xmlns:r="http://schemas.openxmlformats.org/officeDocument/2006/relationships" xmlns:p="http://schemas.openxmlformats.org/presentationml/2006/main">
-  <p:tag name="KSO_WM_UNIT_HIGHLIGHT" val="0"/>
-  <p:tag name="KSO_WM_UNIT_COMPATIBLE" val="0"/>
-  <p:tag name="KSO_WM_UNIT_DIAGRAM_ISNUMVISUAL" val="0"/>
-  <p:tag name="KSO_WM_UNIT_DIAGRAM_ISREFERUNIT" val="0"/>
-  <p:tag name="KSO_WM_UNIT_ID" val="_5**"/>
-  <p:tag name="KSO_WM_UNIT_LAYERLEVEL" val="1"/>
-  <p:tag name="KSO_WM_TAG_VERSION" val="1.0"/>
-  <p:tag name="KSO_WM_BEAUTIFY_FLAG" val="#wm#"/>
-</p:tagLst>
-</file>
-
-<file path=ppt/tags/tag33.xml><?xml version="1.0" encoding="utf-8"?>
-<p:tagLst xmlns:a="http://schemas.openxmlformats.org/drawingml/2006/main" xmlns:r="http://schemas.openxmlformats.org/officeDocument/2006/relationships" xmlns:p="http://schemas.openxmlformats.org/presentationml/2006/main">
-  <p:tag name="KSO_WM_UNIT_HIGHLIGHT" val="0"/>
-  <p:tag name="KSO_WM_UNIT_COMPATIBLE" val="0"/>
-  <p:tag name="KSO_WM_UNIT_DIAGRAM_ISNUMVISUAL" val="0"/>
-  <p:tag name="KSO_WM_UNIT_DIAGRAM_ISREFERUNIT" val="0"/>
-  <p:tag name="KSO_WM_UNIT_ID" val="_5**"/>
-  <p:tag name="KSO_WM_UNIT_LAYERLEVEL" val="1"/>
-  <p:tag name="KSO_WM_TAG_VERSION" val="1.0"/>
-  <p:tag name="KSO_WM_BEAUTIFY_FLAG" val="#wm#"/>
-</p:tagLst>
-</file>
-
-<file path=ppt/tags/tag34.xml><?xml version="1.0" encoding="utf-8"?>
-<p:tagLst xmlns:a="http://schemas.openxmlformats.org/drawingml/2006/main" xmlns:r="http://schemas.openxmlformats.org/officeDocument/2006/relationships" xmlns:p="http://schemas.openxmlformats.org/presentationml/2006/main">
-  <p:tag name="KSO_WM_UNIT_HIGHLIGHT" val="0"/>
-  <p:tag name="KSO_WM_UNIT_COMPATIBLE" val="0"/>
-  <p:tag name="KSO_WM_UNIT_DIAGRAM_ISNUMVISUAL" val="0"/>
-  <p:tag name="KSO_WM_UNIT_DIAGRAM_ISREFERUNIT" val="0"/>
-  <p:tag name="KSO_WM_UNIT_ID" val="_5**"/>
-  <p:tag name="KSO_WM_UNIT_LAYERLEVEL" val="1"/>
-  <p:tag name="KSO_WM_TAG_VERSION" val="1.0"/>
-  <p:tag name="KSO_WM_BEAUTIFY_FLAG" val="#wm#"/>
-</p:tagLst>
-</file>
-
-<file path=ppt/tags/tag35.xml><?xml version="1.0" encoding="utf-8"?>
-<p:tagLst xmlns:a="http://schemas.openxmlformats.org/drawingml/2006/main" xmlns:r="http://schemas.openxmlformats.org/officeDocument/2006/relationships" xmlns:p="http://schemas.openxmlformats.org/presentationml/2006/main">
-  <p:tag name="KSO_WM_UNIT_HIGHLIGHT" val="0"/>
-  <p:tag name="KSO_WM_UNIT_COMPATIBLE" val="0"/>
-  <p:tag name="KSO_WM_UNIT_DIAGRAM_ISNUMVISUAL" val="0"/>
-  <p:tag name="KSO_WM_UNIT_DIAGRAM_ISREFERUNIT" val="0"/>
-  <p:tag name="KSO_WM_UNIT_ID" val="_5**"/>
-  <p:tag name="KSO_WM_UNIT_LAYERLEVEL" val="1"/>
-  <p:tag name="KSO_WM_TAG_VERSION" val="1.0"/>
-  <p:tag name="KSO_WM_BEAUTIFY_FLAG" val="#wm#"/>
-</p:tagLst>
-</file>
-
-<file path=ppt/tags/tag36.xml><?xml version="1.0" encoding="utf-8"?>
-<p:tagLst xmlns:a="http://schemas.openxmlformats.org/drawingml/2006/main" xmlns:r="http://schemas.openxmlformats.org/officeDocument/2006/relationships" xmlns:p="http://schemas.openxmlformats.org/presentationml/2006/main">
-  <p:tag name="KSO_WM_UNIT_HIGHLIGHT" val="0"/>
-  <p:tag name="KSO_WM_UNIT_COMPATIBLE" val="0"/>
-  <p:tag name="KSO_WM_UNIT_DIAGRAM_ISNUMVISUAL" val="0"/>
-  <p:tag name="KSO_WM_UNIT_DIAGRAM_ISREFERUNIT" val="0"/>
-  <p:tag name="KSO_WM_UNIT_ID" val="_5**"/>
-  <p:tag name="KSO_WM_UNIT_LAYERLEVEL" val="1"/>
-  <p:tag name="KSO_WM_TAG_VERSION" val="1.0"/>
-  <p:tag name="KSO_WM_BEAUTIFY_FLAG" val="#wm#"/>
-</p:tagLst>
-</file>
-
-<file path=ppt/tags/tag37.xml><?xml version="1.0" encoding="utf-8"?>
-<p:tagLst xmlns:a="http://schemas.openxmlformats.org/drawingml/2006/main" xmlns:r="http://schemas.openxmlformats.org/officeDocument/2006/relationships" xmlns:p="http://schemas.openxmlformats.org/presentationml/2006/main">
-  <p:tag name="KSO_WM_UNIT_HIGHLIGHT" val="0"/>
-  <p:tag name="KSO_WM_UNIT_COMPATIBLE" val="0"/>
-  <p:tag name="KSO_WM_UNIT_DIAGRAM_ISNUMVISUAL" val="0"/>
-  <p:tag name="KSO_WM_UNIT_DIAGRAM_ISREFERUNIT" val="0"/>
-  <p:tag name="KSO_WM_UNIT_ID" val="_6**"/>
-  <p:tag name="KSO_WM_UNIT_LAYERLEVEL" val="1"/>
-  <p:tag name="KSO_WM_TAG_VERSION" val="1.0"/>
-  <p:tag name="KSO_WM_BEAUTIFY_FLAG" val="#wm#"/>
-</p:tagLst>
-</file>
-
-<file path=ppt/tags/tag38.xml><?xml version="1.0" encoding="utf-8"?>
-<p:tagLst xmlns:a="http://schemas.openxmlformats.org/drawingml/2006/main" xmlns:r="http://schemas.openxmlformats.org/officeDocument/2006/relationships" xmlns:p="http://schemas.openxmlformats.org/presentationml/2006/main">
-  <p:tag name="KSO_WM_UNIT_HIGHLIGHT" val="0"/>
-  <p:tag name="KSO_WM_UNIT_COMPATIBLE" val="0"/>
-  <p:tag name="KSO_WM_UNIT_DIAGRAM_ISNUMVISUAL" val="0"/>
-  <p:tag name="KSO_WM_UNIT_DIAGRAM_ISREFERUNIT" val="0"/>
-  <p:tag name="KSO_WM_UNIT_ID" val="_6**"/>
-  <p:tag name="KSO_WM_UNIT_LAYERLEVEL" val="1"/>
-  <p:tag name="KSO_WM_TAG_VERSION" val="1.0"/>
-  <p:tag name="KSO_WM_BEAUTIFY_FLAG" val="#wm#"/>
-</p:tagLst>
-</file>
-
-<file path=ppt/tags/tag39.xml><?xml version="1.0" encoding="utf-8"?>
-<p:tagLst xmlns:a="http://schemas.openxmlformats.org/drawingml/2006/main" xmlns:r="http://schemas.openxmlformats.org/officeDocument/2006/relationships" xmlns:p="http://schemas.openxmlformats.org/presentationml/2006/main">
-  <p:tag name="KSO_WM_UNIT_HIGHLIGHT" val="0"/>
-  <p:tag name="KSO_WM_UNIT_COMPATIBLE" val="0"/>
-  <p:tag name="KSO_WM_UNIT_DIAGRAM_ISNUMVISUAL" val="0"/>
-  <p:tag name="KSO_WM_UNIT_DIAGRAM_ISREFERUNIT" val="0"/>
-  <p:tag name="KSO_WM_UNIT_ID" val="_6**"/>
-  <p:tag name="KSO_WM_UNIT_LAYERLEVEL" val="1"/>
-  <p:tag name="KSO_WM_TAG_VERSION" val="1.0"/>
-  <p:tag name="KSO_WM_BEAUTIFY_FLAG" val="#wm#"/>
-</p:tagLst>
-</file>
-
-<file path=ppt/tags/tag4.xml><?xml version="1.0" encoding="utf-8"?>
-<p:tagLst xmlns:a="http://schemas.openxmlformats.org/drawingml/2006/main" xmlns:r="http://schemas.openxmlformats.org/officeDocument/2006/relationships" xmlns:p="http://schemas.openxmlformats.org/presentationml/2006/main">
+<file path=ppt/tags/tag58.xml><?xml version="1.0" encoding="utf-8"?>
+<p:tagLst xmlns:p="http://schemas.openxmlformats.org/presentationml/2006/main">
   <p:tag name="KSO_WM_UNIT_HIGHLIGHT" val="0"/>
   <p:tag name="KSO_WM_UNIT_COMPATIBLE" val="0"/>
   <p:tag name="KSO_WM_UNIT_DIAGRAM_ISNUMVISUAL" val="0"/>
@@ -16056,138 +16611,8 @@
 </p:tagLst>
 </file>
 
-<file path=ppt/tags/tag40.xml><?xml version="1.0" encoding="utf-8"?>
-<p:tagLst xmlns:a="http://schemas.openxmlformats.org/drawingml/2006/main" xmlns:r="http://schemas.openxmlformats.org/officeDocument/2006/relationships" xmlns:p="http://schemas.openxmlformats.org/presentationml/2006/main">
-  <p:tag name="KSO_WM_UNIT_HIGHLIGHT" val="0"/>
-  <p:tag name="KSO_WM_UNIT_COMPATIBLE" val="0"/>
-  <p:tag name="KSO_WM_UNIT_DIAGRAM_ISNUMVISUAL" val="0"/>
-  <p:tag name="KSO_WM_UNIT_DIAGRAM_ISREFERUNIT" val="0"/>
-  <p:tag name="KSO_WM_UNIT_ID" val="_6**"/>
-  <p:tag name="KSO_WM_UNIT_LAYERLEVEL" val="1"/>
-  <p:tag name="KSO_WM_TAG_VERSION" val="1.0"/>
-  <p:tag name="KSO_WM_BEAUTIFY_FLAG" val="#wm#"/>
-</p:tagLst>
-</file>
-
-<file path=ppt/tags/tag41.xml><?xml version="1.0" encoding="utf-8"?>
-<p:tagLst xmlns:a="http://schemas.openxmlformats.org/drawingml/2006/main" xmlns:r="http://schemas.openxmlformats.org/officeDocument/2006/relationships" xmlns:p="http://schemas.openxmlformats.org/presentationml/2006/main">
-  <p:tag name="KSO_WM_UNIT_HIGHLIGHT" val="0"/>
-  <p:tag name="KSO_WM_UNIT_COMPATIBLE" val="0"/>
-  <p:tag name="KSO_WM_UNIT_DIAGRAM_ISNUMVISUAL" val="0"/>
-  <p:tag name="KSO_WM_UNIT_DIAGRAM_ISREFERUNIT" val="0"/>
-  <p:tag name="KSO_WM_UNIT_ID" val="_7**"/>
-  <p:tag name="KSO_WM_UNIT_LAYERLEVEL" val="1"/>
-  <p:tag name="KSO_WM_TAG_VERSION" val="1.0"/>
-  <p:tag name="KSO_WM_BEAUTIFY_FLAG" val="#wm#"/>
-</p:tagLst>
-</file>
-
-<file path=ppt/tags/tag42.xml><?xml version="1.0" encoding="utf-8"?>
-<p:tagLst xmlns:a="http://schemas.openxmlformats.org/drawingml/2006/main" xmlns:r="http://schemas.openxmlformats.org/officeDocument/2006/relationships" xmlns:p="http://schemas.openxmlformats.org/presentationml/2006/main">
-  <p:tag name="KSO_WM_UNIT_HIGHLIGHT" val="0"/>
-  <p:tag name="KSO_WM_UNIT_COMPATIBLE" val="0"/>
-  <p:tag name="KSO_WM_UNIT_DIAGRAM_ISNUMVISUAL" val="0"/>
-  <p:tag name="KSO_WM_UNIT_DIAGRAM_ISREFERUNIT" val="0"/>
-  <p:tag name="KSO_WM_UNIT_ID" val="_7**"/>
-  <p:tag name="KSO_WM_UNIT_LAYERLEVEL" val="1"/>
-  <p:tag name="KSO_WM_TAG_VERSION" val="1.0"/>
-  <p:tag name="KSO_WM_BEAUTIFY_FLAG" val="#wm#"/>
-</p:tagLst>
-</file>
-
-<file path=ppt/tags/tag43.xml><?xml version="1.0" encoding="utf-8"?>
-<p:tagLst xmlns:a="http://schemas.openxmlformats.org/drawingml/2006/main" xmlns:r="http://schemas.openxmlformats.org/officeDocument/2006/relationships" xmlns:p="http://schemas.openxmlformats.org/presentationml/2006/main">
-  <p:tag name="KSO_WM_UNIT_HIGHLIGHT" val="0"/>
-  <p:tag name="KSO_WM_UNIT_COMPATIBLE" val="0"/>
-  <p:tag name="KSO_WM_UNIT_DIAGRAM_ISNUMVISUAL" val="0"/>
-  <p:tag name="KSO_WM_UNIT_DIAGRAM_ISREFERUNIT" val="0"/>
-  <p:tag name="KSO_WM_UNIT_ID" val="_7**"/>
-  <p:tag name="KSO_WM_UNIT_LAYERLEVEL" val="1"/>
-  <p:tag name="KSO_WM_TAG_VERSION" val="1.0"/>
-  <p:tag name="KSO_WM_BEAUTIFY_FLAG" val="#wm#"/>
-</p:tagLst>
-</file>
-
-<file path=ppt/tags/tag44.xml><?xml version="1.0" encoding="utf-8"?>
-<p:tagLst xmlns:a="http://schemas.openxmlformats.org/drawingml/2006/main" xmlns:r="http://schemas.openxmlformats.org/officeDocument/2006/relationships" xmlns:p="http://schemas.openxmlformats.org/presentationml/2006/main">
-  <p:tag name="KSO_WM_UNIT_HIGHLIGHT" val="0"/>
-  <p:tag name="KSO_WM_UNIT_COMPATIBLE" val="0"/>
-  <p:tag name="KSO_WM_UNIT_DIAGRAM_ISNUMVISUAL" val="0"/>
-  <p:tag name="KSO_WM_UNIT_DIAGRAM_ISREFERUNIT" val="0"/>
-  <p:tag name="KSO_WM_UNIT_ID" val="_8**"/>
-  <p:tag name="KSO_WM_UNIT_LAYERLEVEL" val="1"/>
-  <p:tag name="KSO_WM_TAG_VERSION" val="1.0"/>
-  <p:tag name="KSO_WM_BEAUTIFY_FLAG" val="#wm#"/>
-</p:tagLst>
-</file>
-
-<file path=ppt/tags/tag45.xml><?xml version="1.0" encoding="utf-8"?>
-<p:tagLst xmlns:a="http://schemas.openxmlformats.org/drawingml/2006/main" xmlns:r="http://schemas.openxmlformats.org/officeDocument/2006/relationships" xmlns:p="http://schemas.openxmlformats.org/presentationml/2006/main">
-  <p:tag name="KSO_WM_UNIT_HIGHLIGHT" val="0"/>
-  <p:tag name="KSO_WM_UNIT_COMPATIBLE" val="0"/>
-  <p:tag name="KSO_WM_UNIT_DIAGRAM_ISNUMVISUAL" val="0"/>
-  <p:tag name="KSO_WM_UNIT_DIAGRAM_ISREFERUNIT" val="0"/>
-  <p:tag name="KSO_WM_UNIT_ID" val="_8**"/>
-  <p:tag name="KSO_WM_UNIT_LAYERLEVEL" val="1"/>
-  <p:tag name="KSO_WM_TAG_VERSION" val="1.0"/>
-  <p:tag name="KSO_WM_BEAUTIFY_FLAG" val="#wm#"/>
-</p:tagLst>
-</file>
-
-<file path=ppt/tags/tag46.xml><?xml version="1.0" encoding="utf-8"?>
-<p:tagLst xmlns:a="http://schemas.openxmlformats.org/drawingml/2006/main" xmlns:r="http://schemas.openxmlformats.org/officeDocument/2006/relationships" xmlns:p="http://schemas.openxmlformats.org/presentationml/2006/main">
-  <p:tag name="KSO_WM_UNIT_HIGHLIGHT" val="0"/>
-  <p:tag name="KSO_WM_UNIT_COMPATIBLE" val="0"/>
-  <p:tag name="KSO_WM_UNIT_DIAGRAM_ISNUMVISUAL" val="0"/>
-  <p:tag name="KSO_WM_UNIT_DIAGRAM_ISREFERUNIT" val="0"/>
-  <p:tag name="KSO_WM_UNIT_ID" val="_8**"/>
-  <p:tag name="KSO_WM_UNIT_LAYERLEVEL" val="1"/>
-  <p:tag name="KSO_WM_TAG_VERSION" val="1.0"/>
-  <p:tag name="KSO_WM_BEAUTIFY_FLAG" val="#wm#"/>
-</p:tagLst>
-</file>
-
-<file path=ppt/tags/tag47.xml><?xml version="1.0" encoding="utf-8"?>
-<p:tagLst xmlns:a="http://schemas.openxmlformats.org/drawingml/2006/main" xmlns:r="http://schemas.openxmlformats.org/officeDocument/2006/relationships" xmlns:p="http://schemas.openxmlformats.org/presentationml/2006/main">
-  <p:tag name="KSO_WM_UNIT_HIGHLIGHT" val="0"/>
-  <p:tag name="KSO_WM_UNIT_COMPATIBLE" val="0"/>
-  <p:tag name="KSO_WM_UNIT_DIAGRAM_ISNUMVISUAL" val="0"/>
-  <p:tag name="KSO_WM_UNIT_DIAGRAM_ISREFERUNIT" val="0"/>
-  <p:tag name="KSO_WM_UNIT_ID" val="_8**"/>
-  <p:tag name="KSO_WM_UNIT_LAYERLEVEL" val="1"/>
-  <p:tag name="KSO_WM_TAG_VERSION" val="1.0"/>
-  <p:tag name="KSO_WM_BEAUTIFY_FLAG" val="#wm#"/>
-</p:tagLst>
-</file>
-
-<file path=ppt/tags/tag48.xml><?xml version="1.0" encoding="utf-8"?>
-<p:tagLst xmlns:a="http://schemas.openxmlformats.org/drawingml/2006/main" xmlns:r="http://schemas.openxmlformats.org/officeDocument/2006/relationships" xmlns:p="http://schemas.openxmlformats.org/presentationml/2006/main">
-  <p:tag name="KSO_WM_UNIT_HIGHLIGHT" val="0"/>
-  <p:tag name="KSO_WM_UNIT_COMPATIBLE" val="0"/>
-  <p:tag name="KSO_WM_UNIT_DIAGRAM_ISNUMVISUAL" val="0"/>
-  <p:tag name="KSO_WM_UNIT_DIAGRAM_ISREFERUNIT" val="0"/>
-  <p:tag name="KSO_WM_UNIT_ID" val="_8**"/>
-  <p:tag name="KSO_WM_UNIT_LAYERLEVEL" val="1"/>
-  <p:tag name="KSO_WM_TAG_VERSION" val="1.0"/>
-  <p:tag name="KSO_WM_BEAUTIFY_FLAG" val="#wm#"/>
-</p:tagLst>
-</file>
-
-<file path=ppt/tags/tag49.xml><?xml version="1.0" encoding="utf-8"?>
-<p:tagLst xmlns:a="http://schemas.openxmlformats.org/drawingml/2006/main" xmlns:r="http://schemas.openxmlformats.org/officeDocument/2006/relationships" xmlns:p="http://schemas.openxmlformats.org/presentationml/2006/main">
-  <p:tag name="KSO_WM_UNIT_HIGHLIGHT" val="0"/>
-  <p:tag name="KSO_WM_UNIT_COMPATIBLE" val="0"/>
-  <p:tag name="KSO_WM_UNIT_DIAGRAM_ISNUMVISUAL" val="0"/>
-  <p:tag name="KSO_WM_UNIT_DIAGRAM_ISREFERUNIT" val="0"/>
-  <p:tag name="KSO_WM_UNIT_ID" val="_8**"/>
-  <p:tag name="KSO_WM_UNIT_LAYERLEVEL" val="1"/>
-  <p:tag name="KSO_WM_TAG_VERSION" val="1.0"/>
-  <p:tag name="KSO_WM_BEAUTIFY_FLAG" val="#wm#"/>
-</p:tagLst>
-</file>
-
-<file path=ppt/tags/tag5.xml><?xml version="1.0" encoding="utf-8"?>
-<p:tagLst xmlns:a="http://schemas.openxmlformats.org/drawingml/2006/main" xmlns:r="http://schemas.openxmlformats.org/officeDocument/2006/relationships" xmlns:p="http://schemas.openxmlformats.org/presentationml/2006/main">
+<file path=ppt/tags/tag59.xml><?xml version="1.0" encoding="utf-8"?>
+<p:tagLst xmlns:p="http://schemas.openxmlformats.org/presentationml/2006/main">
   <p:tag name="KSO_WM_UNIT_HIGHLIGHT" val="0"/>
   <p:tag name="KSO_WM_UNIT_COMPATIBLE" val="0"/>
   <p:tag name="KSO_WM_UNIT_DIAGRAM_ISNUMVISUAL" val="0"/>
@@ -16199,138 +16624,21 @@
 </p:tagLst>
 </file>
 
-<file path=ppt/tags/tag50.xml><?xml version="1.0" encoding="utf-8"?>
-<p:tagLst xmlns:a="http://schemas.openxmlformats.org/drawingml/2006/main" xmlns:r="http://schemas.openxmlformats.org/officeDocument/2006/relationships" xmlns:p="http://schemas.openxmlformats.org/presentationml/2006/main">
+<file path=ppt/tags/tag6.xml><?xml version="1.0" encoding="utf-8"?>
+<p:tagLst xmlns:p="http://schemas.openxmlformats.org/presentationml/2006/main">
   <p:tag name="KSO_WM_UNIT_HIGHLIGHT" val="0"/>
   <p:tag name="KSO_WM_UNIT_COMPATIBLE" val="0"/>
   <p:tag name="KSO_WM_UNIT_DIAGRAM_ISNUMVISUAL" val="0"/>
   <p:tag name="KSO_WM_UNIT_DIAGRAM_ISREFERUNIT" val="0"/>
-  <p:tag name="KSO_WM_UNIT_ID" val="_9**"/>
+  <p:tag name="KSO_WM_UNIT_ID" val="_2**"/>
   <p:tag name="KSO_WM_UNIT_LAYERLEVEL" val="1"/>
   <p:tag name="KSO_WM_TAG_VERSION" val="1.0"/>
   <p:tag name="KSO_WM_BEAUTIFY_FLAG" val="#wm#"/>
 </p:tagLst>
 </file>
 
-<file path=ppt/tags/tag51.xml><?xml version="1.0" encoding="utf-8"?>
-<p:tagLst xmlns:a="http://schemas.openxmlformats.org/drawingml/2006/main" xmlns:r="http://schemas.openxmlformats.org/officeDocument/2006/relationships" xmlns:p="http://schemas.openxmlformats.org/presentationml/2006/main">
-  <p:tag name="KSO_WM_UNIT_HIGHLIGHT" val="0"/>
-  <p:tag name="KSO_WM_UNIT_COMPATIBLE" val="0"/>
-  <p:tag name="KSO_WM_UNIT_DIAGRAM_ISNUMVISUAL" val="0"/>
-  <p:tag name="KSO_WM_UNIT_DIAGRAM_ISREFERUNIT" val="0"/>
-  <p:tag name="KSO_WM_UNIT_ID" val="_9**"/>
-  <p:tag name="KSO_WM_UNIT_LAYERLEVEL" val="1"/>
-  <p:tag name="KSO_WM_TAG_VERSION" val="1.0"/>
-  <p:tag name="KSO_WM_BEAUTIFY_FLAG" val="#wm#"/>
-</p:tagLst>
-</file>
-
-<file path=ppt/tags/tag52.xml><?xml version="1.0" encoding="utf-8"?>
-<p:tagLst xmlns:a="http://schemas.openxmlformats.org/drawingml/2006/main" xmlns:r="http://schemas.openxmlformats.org/officeDocument/2006/relationships" xmlns:p="http://schemas.openxmlformats.org/presentationml/2006/main">
-  <p:tag name="KSO_WM_UNIT_HIGHLIGHT" val="0"/>
-  <p:tag name="KSO_WM_UNIT_COMPATIBLE" val="0"/>
-  <p:tag name="KSO_WM_UNIT_DIAGRAM_ISNUMVISUAL" val="0"/>
-  <p:tag name="KSO_WM_UNIT_DIAGRAM_ISREFERUNIT" val="0"/>
-  <p:tag name="KSO_WM_UNIT_ID" val="_9**"/>
-  <p:tag name="KSO_WM_UNIT_LAYERLEVEL" val="1"/>
-  <p:tag name="KSO_WM_TAG_VERSION" val="1.0"/>
-  <p:tag name="KSO_WM_BEAUTIFY_FLAG" val="#wm#"/>
-</p:tagLst>
-</file>
-
-<file path=ppt/tags/tag53.xml><?xml version="1.0" encoding="utf-8"?>
-<p:tagLst xmlns:a="http://schemas.openxmlformats.org/drawingml/2006/main" xmlns:r="http://schemas.openxmlformats.org/officeDocument/2006/relationships" xmlns:p="http://schemas.openxmlformats.org/presentationml/2006/main">
-  <p:tag name="KSO_WM_UNIT_HIGHLIGHT" val="0"/>
-  <p:tag name="KSO_WM_UNIT_COMPATIBLE" val="0"/>
-  <p:tag name="KSO_WM_UNIT_DIAGRAM_ISNUMVISUAL" val="0"/>
-  <p:tag name="KSO_WM_UNIT_DIAGRAM_ISREFERUNIT" val="0"/>
-  <p:tag name="KSO_WM_UNIT_ID" val="_9**"/>
-  <p:tag name="KSO_WM_UNIT_LAYERLEVEL" val="1"/>
-  <p:tag name="KSO_WM_TAG_VERSION" val="1.0"/>
-  <p:tag name="KSO_WM_BEAUTIFY_FLAG" val="#wm#"/>
-</p:tagLst>
-</file>
-
-<file path=ppt/tags/tag54.xml><?xml version="1.0" encoding="utf-8"?>
-<p:tagLst xmlns:a="http://schemas.openxmlformats.org/drawingml/2006/main" xmlns:r="http://schemas.openxmlformats.org/officeDocument/2006/relationships" xmlns:p="http://schemas.openxmlformats.org/presentationml/2006/main">
-  <p:tag name="KSO_WM_UNIT_HIGHLIGHT" val="0"/>
-  <p:tag name="KSO_WM_UNIT_COMPATIBLE" val="0"/>
-  <p:tag name="KSO_WM_UNIT_DIAGRAM_ISNUMVISUAL" val="0"/>
-  <p:tag name="KSO_WM_UNIT_DIAGRAM_ISREFERUNIT" val="0"/>
-  <p:tag name="KSO_WM_UNIT_ID" val="_9**"/>
-  <p:tag name="KSO_WM_UNIT_LAYERLEVEL" val="1"/>
-  <p:tag name="KSO_WM_TAG_VERSION" val="1.0"/>
-  <p:tag name="KSO_WM_BEAUTIFY_FLAG" val="#wm#"/>
-</p:tagLst>
-</file>
-
-<file path=ppt/tags/tag55.xml><?xml version="1.0" encoding="utf-8"?>
-<p:tagLst xmlns:a="http://schemas.openxmlformats.org/drawingml/2006/main" xmlns:r="http://schemas.openxmlformats.org/officeDocument/2006/relationships" xmlns:p="http://schemas.openxmlformats.org/presentationml/2006/main">
-  <p:tag name="KSO_WM_UNIT_HIGHLIGHT" val="0"/>
-  <p:tag name="KSO_WM_UNIT_COMPATIBLE" val="0"/>
-  <p:tag name="KSO_WM_UNIT_DIAGRAM_ISNUMVISUAL" val="0"/>
-  <p:tag name="KSO_WM_UNIT_DIAGRAM_ISREFERUNIT" val="0"/>
-  <p:tag name="KSO_WM_UNIT_ID" val="_10**"/>
-  <p:tag name="KSO_WM_UNIT_LAYERLEVEL" val="1"/>
-  <p:tag name="KSO_WM_TAG_VERSION" val="1.0"/>
-  <p:tag name="KSO_WM_BEAUTIFY_FLAG" val="#wm#"/>
-</p:tagLst>
-</file>
-
-<file path=ppt/tags/tag56.xml><?xml version="1.0" encoding="utf-8"?>
-<p:tagLst xmlns:a="http://schemas.openxmlformats.org/drawingml/2006/main" xmlns:r="http://schemas.openxmlformats.org/officeDocument/2006/relationships" xmlns:p="http://schemas.openxmlformats.org/presentationml/2006/main">
-  <p:tag name="KSO_WM_UNIT_HIGHLIGHT" val="0"/>
-  <p:tag name="KSO_WM_UNIT_COMPATIBLE" val="0"/>
-  <p:tag name="KSO_WM_UNIT_DIAGRAM_ISNUMVISUAL" val="0"/>
-  <p:tag name="KSO_WM_UNIT_DIAGRAM_ISREFERUNIT" val="0"/>
-  <p:tag name="KSO_WM_UNIT_ID" val="_10**"/>
-  <p:tag name="KSO_WM_UNIT_LAYERLEVEL" val="1"/>
-  <p:tag name="KSO_WM_TAG_VERSION" val="1.0"/>
-  <p:tag name="KSO_WM_BEAUTIFY_FLAG" val="#wm#"/>
-</p:tagLst>
-</file>
-
-<file path=ppt/tags/tag57.xml><?xml version="1.0" encoding="utf-8"?>
-<p:tagLst xmlns:a="http://schemas.openxmlformats.org/drawingml/2006/main" xmlns:r="http://schemas.openxmlformats.org/officeDocument/2006/relationships" xmlns:p="http://schemas.openxmlformats.org/presentationml/2006/main">
-  <p:tag name="KSO_WM_UNIT_HIGHLIGHT" val="0"/>
-  <p:tag name="KSO_WM_UNIT_COMPATIBLE" val="0"/>
-  <p:tag name="KSO_WM_UNIT_DIAGRAM_ISNUMVISUAL" val="0"/>
-  <p:tag name="KSO_WM_UNIT_DIAGRAM_ISREFERUNIT" val="0"/>
-  <p:tag name="KSO_WM_UNIT_ID" val="_10**"/>
-  <p:tag name="KSO_WM_UNIT_LAYERLEVEL" val="1"/>
-  <p:tag name="KSO_WM_TAG_VERSION" val="1.0"/>
-  <p:tag name="KSO_WM_BEAUTIFY_FLAG" val="#wm#"/>
-</p:tagLst>
-</file>
-
-<file path=ppt/tags/tag58.xml><?xml version="1.0" encoding="utf-8"?>
-<p:tagLst xmlns:a="http://schemas.openxmlformats.org/drawingml/2006/main" xmlns:r="http://schemas.openxmlformats.org/officeDocument/2006/relationships" xmlns:p="http://schemas.openxmlformats.org/presentationml/2006/main">
-  <p:tag name="KSO_WM_UNIT_HIGHLIGHT" val="0"/>
-  <p:tag name="KSO_WM_UNIT_COMPATIBLE" val="0"/>
-  <p:tag name="KSO_WM_UNIT_DIAGRAM_ISNUMVISUAL" val="0"/>
-  <p:tag name="KSO_WM_UNIT_DIAGRAM_ISREFERUNIT" val="0"/>
-  <p:tag name="KSO_WM_UNIT_ID" val="_10**"/>
-  <p:tag name="KSO_WM_UNIT_LAYERLEVEL" val="1"/>
-  <p:tag name="KSO_WM_TAG_VERSION" val="1.0"/>
-  <p:tag name="KSO_WM_BEAUTIFY_FLAG" val="#wm#"/>
-</p:tagLst>
-</file>
-
-<file path=ppt/tags/tag59.xml><?xml version="1.0" encoding="utf-8"?>
-<p:tagLst xmlns:a="http://schemas.openxmlformats.org/drawingml/2006/main" xmlns:r="http://schemas.openxmlformats.org/officeDocument/2006/relationships" xmlns:p="http://schemas.openxmlformats.org/presentationml/2006/main">
-  <p:tag name="KSO_WM_UNIT_HIGHLIGHT" val="0"/>
-  <p:tag name="KSO_WM_UNIT_COMPATIBLE" val="0"/>
-  <p:tag name="KSO_WM_UNIT_DIAGRAM_ISNUMVISUAL" val="0"/>
-  <p:tag name="KSO_WM_UNIT_DIAGRAM_ISREFERUNIT" val="0"/>
-  <p:tag name="KSO_WM_UNIT_ID" val="_11**"/>
-  <p:tag name="KSO_WM_UNIT_LAYERLEVEL" val="1"/>
-  <p:tag name="KSO_WM_TAG_VERSION" val="1.0"/>
-  <p:tag name="KSO_WM_BEAUTIFY_FLAG" val="#wm#"/>
-</p:tagLst>
-</file>
-
-<file path=ppt/tags/tag6.xml><?xml version="1.0" encoding="utf-8"?>
-<p:tagLst xmlns:a="http://schemas.openxmlformats.org/drawingml/2006/main" xmlns:r="http://schemas.openxmlformats.org/officeDocument/2006/relationships" xmlns:p="http://schemas.openxmlformats.org/presentationml/2006/main">
+<file path=ppt/tags/tag60.xml><?xml version="1.0" encoding="utf-8"?>
+<p:tagLst xmlns:p="http://schemas.openxmlformats.org/presentationml/2006/main">
   <p:tag name="KSO_WM_UNIT_HIGHLIGHT" val="0"/>
   <p:tag name="KSO_WM_UNIT_COMPATIBLE" val="0"/>
   <p:tag name="KSO_WM_UNIT_DIAGRAM_ISNUMVISUAL" val="0"/>
@@ -16342,60 +16650,8 @@
 </p:tagLst>
 </file>
 
-<file path=ppt/tags/tag60.xml><?xml version="1.0" encoding="utf-8"?>
-<p:tagLst xmlns:a="http://schemas.openxmlformats.org/drawingml/2006/main" xmlns:r="http://schemas.openxmlformats.org/officeDocument/2006/relationships" xmlns:p="http://schemas.openxmlformats.org/presentationml/2006/main">
-  <p:tag name="KSO_WM_UNIT_HIGHLIGHT" val="0"/>
-  <p:tag name="KSO_WM_UNIT_COMPATIBLE" val="0"/>
-  <p:tag name="KSO_WM_UNIT_DIAGRAM_ISNUMVISUAL" val="0"/>
-  <p:tag name="KSO_WM_UNIT_DIAGRAM_ISREFERUNIT" val="0"/>
-  <p:tag name="KSO_WM_UNIT_ID" val="_11**"/>
-  <p:tag name="KSO_WM_UNIT_LAYERLEVEL" val="1"/>
-  <p:tag name="KSO_WM_TAG_VERSION" val="1.0"/>
-  <p:tag name="KSO_WM_BEAUTIFY_FLAG" val="#wm#"/>
-</p:tagLst>
-</file>
-
 <file path=ppt/tags/tag61.xml><?xml version="1.0" encoding="utf-8"?>
-<p:tagLst xmlns:a="http://schemas.openxmlformats.org/drawingml/2006/main" xmlns:r="http://schemas.openxmlformats.org/officeDocument/2006/relationships" xmlns:p="http://schemas.openxmlformats.org/presentationml/2006/main">
-  <p:tag name="KSO_WM_UNIT_HIGHLIGHT" val="0"/>
-  <p:tag name="KSO_WM_UNIT_COMPATIBLE" val="0"/>
-  <p:tag name="KSO_WM_UNIT_DIAGRAM_ISNUMVISUAL" val="0"/>
-  <p:tag name="KSO_WM_UNIT_DIAGRAM_ISREFERUNIT" val="0"/>
-  <p:tag name="KSO_WM_UNIT_ID" val="_11**"/>
-  <p:tag name="KSO_WM_UNIT_LAYERLEVEL" val="1"/>
-  <p:tag name="KSO_WM_TAG_VERSION" val="1.0"/>
-  <p:tag name="KSO_WM_BEAUTIFY_FLAG" val="#wm#"/>
-</p:tagLst>
-</file>
-
-<file path=ppt/tags/tag62.xml><?xml version="1.0" encoding="utf-8"?>
-<p:tagLst xmlns:a="http://schemas.openxmlformats.org/drawingml/2006/main" xmlns:r="http://schemas.openxmlformats.org/officeDocument/2006/relationships" xmlns:p="http://schemas.openxmlformats.org/presentationml/2006/main">
-  <p:tag name="KSO_WM_UNIT_HIGHLIGHT" val="0"/>
-  <p:tag name="KSO_WM_UNIT_COMPATIBLE" val="0"/>
-  <p:tag name="KSO_WM_UNIT_DIAGRAM_ISNUMVISUAL" val="0"/>
-  <p:tag name="KSO_WM_UNIT_DIAGRAM_ISREFERUNIT" val="0"/>
-  <p:tag name="KSO_WM_UNIT_ID" val="_11**"/>
-  <p:tag name="KSO_WM_UNIT_LAYERLEVEL" val="1"/>
-  <p:tag name="KSO_WM_TAG_VERSION" val="1.0"/>
-  <p:tag name="KSO_WM_BEAUTIFY_FLAG" val="#wm#"/>
-</p:tagLst>
-</file>
-
-<file path=ppt/tags/tag63.xml><?xml version="1.0" encoding="utf-8"?>
-<p:tagLst xmlns:a="http://schemas.openxmlformats.org/drawingml/2006/main" xmlns:r="http://schemas.openxmlformats.org/officeDocument/2006/relationships" xmlns:p="http://schemas.openxmlformats.org/presentationml/2006/main">
-  <p:tag name="KSO_WM_UNIT_HIGHLIGHT" val="0"/>
-  <p:tag name="KSO_WM_UNIT_COMPATIBLE" val="0"/>
-  <p:tag name="KSO_WM_UNIT_DIAGRAM_ISNUMVISUAL" val="0"/>
-  <p:tag name="KSO_WM_UNIT_DIAGRAM_ISREFERUNIT" val="0"/>
-  <p:tag name="KSO_WM_UNIT_ID" val="_11**"/>
-  <p:tag name="KSO_WM_UNIT_LAYERLEVEL" val="1"/>
-  <p:tag name="KSO_WM_TAG_VERSION" val="1.0"/>
-  <p:tag name="KSO_WM_BEAUTIFY_FLAG" val="#wm#"/>
-</p:tagLst>
-</file>
-
-<file path=ppt/tags/tag7.xml><?xml version="1.0" encoding="utf-8"?>
-<p:tagLst xmlns:a="http://schemas.openxmlformats.org/drawingml/2006/main" xmlns:r="http://schemas.openxmlformats.org/officeDocument/2006/relationships" xmlns:p="http://schemas.openxmlformats.org/presentationml/2006/main">
+<p:tagLst xmlns:p="http://schemas.openxmlformats.org/presentationml/2006/main">
   <p:tag name="KSO_WM_UNIT_HIGHLIGHT" val="0"/>
   <p:tag name="KSO_WM_UNIT_COMPATIBLE" val="0"/>
   <p:tag name="KSO_WM_UNIT_DIAGRAM_ISNUMVISUAL" val="0"/>
@@ -16407,13 +16663,47 @@
 </p:tagLst>
 </file>
 
-<file path=ppt/tags/tag8.xml><?xml version="1.0" encoding="utf-8"?>
-<p:tagLst xmlns:a="http://schemas.openxmlformats.org/drawingml/2006/main" xmlns:r="http://schemas.openxmlformats.org/officeDocument/2006/relationships" xmlns:p="http://schemas.openxmlformats.org/presentationml/2006/main">
+<file path=ppt/tags/tag62.xml><?xml version="1.0" encoding="utf-8"?>
+<p:tagLst xmlns:p="http://schemas.openxmlformats.org/presentationml/2006/main">
+  <p:tag name="KSO_WM_TEMPLATE_THUMBS_INDEX" val="1、4、7、12、13、14、15、16、17、18、20、24、25、28、33、36、40、43、44"/>
+  <p:tag name="KSO_WM_TEMPLATE_SUBCATEGORY" val="19"/>
+  <p:tag name="KSO_WM_TAG_VERSION" val="1.0"/>
+  <p:tag name="KSO_WM_BEAUTIFY_FLAG" val="#wm#"/>
+  <p:tag name="KSO_WM_TEMPLATE_CATEGORY" val="custom"/>
+  <p:tag name="KSO_WM_TEMPLATE_INDEX" val="20205081"/>
+  <p:tag name="KSO_WM_TEMPLATE_MASTER_TYPE" val="0"/>
+  <p:tag name="KSO_WM_TEMPLATE_COLOR_TYPE" val="1"/>
+  <p:tag name="KSO_WM_UNIT_SHOW_EDIT_AREA_INDICATION" val="1"/>
+</p:tagLst>
+</file>
+
+<file path=ppt/tags/tag63.xml><?xml version="1.0" encoding="utf-8"?>
+<p:tagLst xmlns:p="http://schemas.openxmlformats.org/presentationml/2006/main">
+  <p:tag name="COMMONDATA" val="eyJoZGlkIjoiZWQ1NGUzMTNlMjMxM2Y4N2Q5ZWFlNmU2NjUzMTMwNGEifQ=="/>
+  <p:tag name="KSO_WPP_MARK_KEY" val="427f756b-741d-4222-89f2-772ae152df49"/>
+</p:tagLst>
+</file>
+
+<file path=ppt/tags/tag7.xml><?xml version="1.0" encoding="utf-8"?>
+<p:tagLst xmlns:p="http://schemas.openxmlformats.org/presentationml/2006/main">
   <p:tag name="KSO_WM_UNIT_HIGHLIGHT" val="0"/>
   <p:tag name="KSO_WM_UNIT_COMPATIBLE" val="0"/>
   <p:tag name="KSO_WM_UNIT_DIAGRAM_ISNUMVISUAL" val="0"/>
   <p:tag name="KSO_WM_UNIT_DIAGRAM_ISREFERUNIT" val="0"/>
-  <p:tag name="KSO_WM_UNIT_ID" val="_1**"/>
+  <p:tag name="KSO_WM_UNIT_ID" val="_2**"/>
+  <p:tag name="KSO_WM_UNIT_LAYERLEVEL" val="1"/>
+  <p:tag name="KSO_WM_TAG_VERSION" val="1.0"/>
+  <p:tag name="KSO_WM_BEAUTIFY_FLAG" val="#wm#"/>
+</p:tagLst>
+</file>
+
+<file path=ppt/tags/tag8.xml><?xml version="1.0" encoding="utf-8"?>
+<p:tagLst xmlns:p="http://schemas.openxmlformats.org/presentationml/2006/main">
+  <p:tag name="KSO_WM_UNIT_HIGHLIGHT" val="0"/>
+  <p:tag name="KSO_WM_UNIT_COMPATIBLE" val="0"/>
+  <p:tag name="KSO_WM_UNIT_DIAGRAM_ISNUMVISUAL" val="0"/>
+  <p:tag name="KSO_WM_UNIT_DIAGRAM_ISREFERUNIT" val="0"/>
+  <p:tag name="KSO_WM_UNIT_ID" val="_2**"/>
   <p:tag name="KSO_WM_UNIT_LAYERLEVEL" val="1"/>
   <p:tag name="KSO_WM_TAG_VERSION" val="1.0"/>
   <p:tag name="KSO_WM_BEAUTIFY_FLAG" val="#wm#"/>
@@ -16421,12 +16711,12 @@
 </file>
 
 <file path=ppt/tags/tag9.xml><?xml version="1.0" encoding="utf-8"?>
-<p:tagLst xmlns:a="http://schemas.openxmlformats.org/drawingml/2006/main" xmlns:r="http://schemas.openxmlformats.org/officeDocument/2006/relationships" xmlns:p="http://schemas.openxmlformats.org/presentationml/2006/main">
+<p:tagLst xmlns:p="http://schemas.openxmlformats.org/presentationml/2006/main">
   <p:tag name="KSO_WM_UNIT_HIGHLIGHT" val="0"/>
   <p:tag name="KSO_WM_UNIT_COMPATIBLE" val="0"/>
   <p:tag name="KSO_WM_UNIT_DIAGRAM_ISNUMVISUAL" val="0"/>
   <p:tag name="KSO_WM_UNIT_DIAGRAM_ISREFERUNIT" val="0"/>
-  <p:tag name="KSO_WM_UNIT_ID" val="_1**"/>
+  <p:tag name="KSO_WM_UNIT_ID" val="_2**"/>
   <p:tag name="KSO_WM_UNIT_LAYERLEVEL" val="1"/>
   <p:tag name="KSO_WM_TAG_VERSION" val="1.0"/>
   <p:tag name="KSO_WM_BEAUTIFY_FLAG" val="#wm#"/>
@@ -16624,8 +16914,6 @@
       </a:bgFillStyleLst>
     </a:fmtScheme>
   </a:themeElements>
-  <a:objectDefaults/>
-  <a:extraClrSchemeLst/>
   <a:extLst>
     <a:ext uri="{05A4C25C-085E-4340-85A3-A5531E510DB2}">
       <thm15:themeFamily xmlns:thm15="http://schemas.microsoft.com/office/thememl/2012/main" name="Office Theme" id="{62F939B6-93AF-4DB8-9C6B-D6C7DFDC589F}" vid="{4A3C46E8-61CC-4603-A589-7422A47A8E4A}"/>
